--- a/Capstone Project Phase A-23-1-D-4.pptx
+++ b/Capstone Project Phase A-23-1-D-4.pptx
@@ -7,10 +7,10 @@
     <p:sldMasterId id="2147483653" r:id="rId3"/>
   </p:sldMasterIdLst>
   <p:notesMasterIdLst>
-    <p:notesMasterId r:id="rId19"/>
+    <p:notesMasterId r:id="rId20"/>
   </p:notesMasterIdLst>
   <p:handoutMasterIdLst>
-    <p:handoutMasterId r:id="rId20"/>
+    <p:handoutMasterId r:id="rId21"/>
   </p:handoutMasterIdLst>
   <p:sldIdLst>
     <p:sldId id="256" r:id="rId4"/>
@@ -24,10 +24,11 @@
     <p:sldId id="311" r:id="rId12"/>
     <p:sldId id="306" r:id="rId13"/>
     <p:sldId id="307" r:id="rId14"/>
-    <p:sldId id="308" r:id="rId15"/>
-    <p:sldId id="265" r:id="rId16"/>
-    <p:sldId id="309" r:id="rId17"/>
-    <p:sldId id="312" r:id="rId18"/>
+    <p:sldId id="314" r:id="rId15"/>
+    <p:sldId id="308" r:id="rId16"/>
+    <p:sldId id="265" r:id="rId17"/>
+    <p:sldId id="309" r:id="rId18"/>
+    <p:sldId id="312" r:id="rId19"/>
   </p:sldIdLst>
   <p:sldSz cx="9144000" cy="5143500" type="screen16x9"/>
   <p:notesSz cx="6858000" cy="9144000"/>
@@ -148,9 +149,288 @@
 <file path=ppt/revisionInfo.xml><?xml version="1.0" encoding="utf-8"?>
 <p1510:revInfo xmlns:a="http://schemas.openxmlformats.org/drawingml/2006/main" xmlns:r="http://schemas.openxmlformats.org/officeDocument/2006/relationships" xmlns:p1510="http://schemas.microsoft.com/office/powerpoint/2015/10/main">
   <p1510:revLst>
+    <p1510:client id="{18995784-AB9D-4E4D-99BF-A74B8B23D3A8}" v="6" dt="2023-01-23T12:22:30.280"/>
     <p1510:client id="{919323B9-9912-4728-934A-271E291F5501}" v="537" dt="2023-01-22T13:45:41.404"/>
+    <p1510:client id="{D19C2B9B-D8C4-4470-A854-3A387743094D}" v="2" dt="2023-01-22T16:13:05.765"/>
   </p1510:revLst>
 </p1510:revInfo>
+</file>
+
+<file path=ppt/changesInfos/changesInfo1.xml><?xml version="1.0" encoding="utf-8"?>
+<pc:chgInfo xmlns:a="http://schemas.openxmlformats.org/drawingml/2006/main" xmlns:r="http://schemas.openxmlformats.org/officeDocument/2006/relationships" xmlns:ac="http://schemas.microsoft.com/office/drawing/2013/main/command" xmlns:pc="http://schemas.microsoft.com/office/powerpoint/2013/main/command">
+  <pc:docChgLst>
+    <pc:chgData name="Shmuel Shaul" userId="42e60bd3-1405-46d2-9711-0fda8a00c4e7" providerId="ADAL" clId="{D19C2B9B-D8C4-4470-A854-3A387743094D}"/>
+    <pc:docChg chg="modSld">
+      <pc:chgData name="Shmuel Shaul" userId="42e60bd3-1405-46d2-9711-0fda8a00c4e7" providerId="ADAL" clId="{D19C2B9B-D8C4-4470-A854-3A387743094D}" dt="2023-01-22T16:13:18.954" v="51" actId="14100"/>
+      <pc:docMkLst>
+        <pc:docMk/>
+      </pc:docMkLst>
+      <pc:sldChg chg="addSp modSp mod">
+        <pc:chgData name="Shmuel Shaul" userId="42e60bd3-1405-46d2-9711-0fda8a00c4e7" providerId="ADAL" clId="{D19C2B9B-D8C4-4470-A854-3A387743094D}" dt="2023-01-22T16:13:18.954" v="51" actId="14100"/>
+        <pc:sldMkLst>
+          <pc:docMk/>
+          <pc:sldMk cId="3032063931" sldId="311"/>
+        </pc:sldMkLst>
+        <pc:spChg chg="add mod">
+          <ac:chgData name="Shmuel Shaul" userId="42e60bd3-1405-46d2-9711-0fda8a00c4e7" providerId="ADAL" clId="{D19C2B9B-D8C4-4470-A854-3A387743094D}" dt="2023-01-22T16:13:18.954" v="51" actId="14100"/>
+          <ac:spMkLst>
+            <pc:docMk/>
+            <pc:sldMk cId="3032063931" sldId="311"/>
+            <ac:spMk id="12" creationId="{274C6487-BB81-4321-EEB7-7886D7BE1011}"/>
+          </ac:spMkLst>
+        </pc:spChg>
+        <pc:spChg chg="mod">
+          <ac:chgData name="Shmuel Shaul" userId="42e60bd3-1405-46d2-9711-0fda8a00c4e7" providerId="ADAL" clId="{D19C2B9B-D8C4-4470-A854-3A387743094D}" dt="2023-01-22T16:13:04.432" v="41" actId="1076"/>
+          <ac:spMkLst>
+            <pc:docMk/>
+            <pc:sldMk cId="3032063931" sldId="311"/>
+            <ac:spMk id="43" creationId="{76C24A48-199E-5031-ABEC-D792AAE41682}"/>
+          </ac:spMkLst>
+        </pc:spChg>
+        <pc:cxnChg chg="add mod">
+          <ac:chgData name="Shmuel Shaul" userId="42e60bd3-1405-46d2-9711-0fda8a00c4e7" providerId="ADAL" clId="{D19C2B9B-D8C4-4470-A854-3A387743094D}" dt="2023-01-22T16:13:01.388" v="40" actId="14100"/>
+          <ac:cxnSpMkLst>
+            <pc:docMk/>
+            <pc:sldMk cId="3032063931" sldId="311"/>
+            <ac:cxnSpMk id="5" creationId="{C1543345-47A4-6ADC-6970-099AB6C7515C}"/>
+          </ac:cxnSpMkLst>
+        </pc:cxnChg>
+        <pc:cxnChg chg="mod">
+          <ac:chgData name="Shmuel Shaul" userId="42e60bd3-1405-46d2-9711-0fda8a00c4e7" providerId="ADAL" clId="{D19C2B9B-D8C4-4470-A854-3A387743094D}" dt="2023-01-22T16:12:48.786" v="34" actId="1076"/>
+          <ac:cxnSpMkLst>
+            <pc:docMk/>
+            <pc:sldMk cId="3032063931" sldId="311"/>
+            <ac:cxnSpMk id="37" creationId="{6B5826AE-08A1-8CB3-6A7B-6B58F7D74596}"/>
+          </ac:cxnSpMkLst>
+        </pc:cxnChg>
+      </pc:sldChg>
+    </pc:docChg>
+  </pc:docChgLst>
+  <pc:docChgLst>
+    <pc:chgData name="Shmuel Shaul" userId="42e60bd3-1405-46d2-9711-0fda8a00c4e7" providerId="ADAL" clId="{18995784-AB9D-4E4D-99BF-A74B8B23D3A8}"/>
+    <pc:docChg chg="undo custSel addSld delSld modSld">
+      <pc:chgData name="Shmuel Shaul" userId="42e60bd3-1405-46d2-9711-0fda8a00c4e7" providerId="ADAL" clId="{18995784-AB9D-4E4D-99BF-A74B8B23D3A8}" dt="2023-01-23T12:23:03.304" v="77" actId="20577"/>
+      <pc:docMkLst>
+        <pc:docMk/>
+      </pc:docMkLst>
+      <pc:sldChg chg="modSp mod">
+        <pc:chgData name="Shmuel Shaul" userId="42e60bd3-1405-46d2-9711-0fda8a00c4e7" providerId="ADAL" clId="{18995784-AB9D-4E4D-99BF-A74B8B23D3A8}" dt="2023-01-23T11:35:29.090" v="29" actId="20577"/>
+        <pc:sldMkLst>
+          <pc:docMk/>
+          <pc:sldMk cId="3239406661" sldId="265"/>
+        </pc:sldMkLst>
+        <pc:spChg chg="mod">
+          <ac:chgData name="Shmuel Shaul" userId="42e60bd3-1405-46d2-9711-0fda8a00c4e7" providerId="ADAL" clId="{18995784-AB9D-4E4D-99BF-A74B8B23D3A8}" dt="2023-01-23T11:35:29.090" v="29" actId="20577"/>
+          <ac:spMkLst>
+            <pc:docMk/>
+            <pc:sldMk cId="3239406661" sldId="265"/>
+            <ac:spMk id="3" creationId="{C9600BA0-3D0C-2CF1-B63E-2A34444F28CA}"/>
+          </ac:spMkLst>
+        </pc:spChg>
+      </pc:sldChg>
+      <pc:sldChg chg="addSp delSp modSp mod">
+        <pc:chgData name="Shmuel Shaul" userId="42e60bd3-1405-46d2-9711-0fda8a00c4e7" providerId="ADAL" clId="{18995784-AB9D-4E4D-99BF-A74B8B23D3A8}" dt="2023-01-23T10:54:41.720" v="3" actId="1076"/>
+        <pc:sldMkLst>
+          <pc:docMk/>
+          <pc:sldMk cId="2117688569" sldId="306"/>
+        </pc:sldMkLst>
+        <pc:picChg chg="del">
+          <ac:chgData name="Shmuel Shaul" userId="42e60bd3-1405-46d2-9711-0fda8a00c4e7" providerId="ADAL" clId="{18995784-AB9D-4E4D-99BF-A74B8B23D3A8}" dt="2023-01-23T10:54:19.559" v="0" actId="478"/>
+          <ac:picMkLst>
+            <pc:docMk/>
+            <pc:sldMk cId="2117688569" sldId="306"/>
+            <ac:picMk id="4" creationId="{04E62D83-AFA4-FA6B-29F7-2299432DC2EA}"/>
+          </ac:picMkLst>
+        </pc:picChg>
+        <pc:picChg chg="add mod">
+          <ac:chgData name="Shmuel Shaul" userId="42e60bd3-1405-46d2-9711-0fda8a00c4e7" providerId="ADAL" clId="{18995784-AB9D-4E4D-99BF-A74B8B23D3A8}" dt="2023-01-23T10:54:41.720" v="3" actId="1076"/>
+          <ac:picMkLst>
+            <pc:docMk/>
+            <pc:sldMk cId="2117688569" sldId="306"/>
+            <ac:picMk id="5" creationId="{BAAECFD9-2DB5-19B3-511A-31E97266A2E2}"/>
+          </ac:picMkLst>
+        </pc:picChg>
+      </pc:sldChg>
+      <pc:sldChg chg="addSp delSp modSp mod">
+        <pc:chgData name="Shmuel Shaul" userId="42e60bd3-1405-46d2-9711-0fda8a00c4e7" providerId="ADAL" clId="{18995784-AB9D-4E4D-99BF-A74B8B23D3A8}" dt="2023-01-23T12:22:22.945" v="61" actId="1035"/>
+        <pc:sldMkLst>
+          <pc:docMk/>
+          <pc:sldMk cId="3041369274" sldId="307"/>
+        </pc:sldMkLst>
+        <pc:spChg chg="add mod">
+          <ac:chgData name="Shmuel Shaul" userId="42e60bd3-1405-46d2-9711-0fda8a00c4e7" providerId="ADAL" clId="{18995784-AB9D-4E4D-99BF-A74B8B23D3A8}" dt="2023-01-23T12:22:14.088" v="55" actId="20577"/>
+          <ac:spMkLst>
+            <pc:docMk/>
+            <pc:sldMk cId="3041369274" sldId="307"/>
+            <ac:spMk id="9" creationId="{C4DB0776-212E-3DEB-C851-82B94FE6C8F3}"/>
+          </ac:spMkLst>
+        </pc:spChg>
+        <pc:picChg chg="del">
+          <ac:chgData name="Shmuel Shaul" userId="42e60bd3-1405-46d2-9711-0fda8a00c4e7" providerId="ADAL" clId="{18995784-AB9D-4E4D-99BF-A74B8B23D3A8}" dt="2023-01-23T11:10:31.935" v="5" actId="478"/>
+          <ac:picMkLst>
+            <pc:docMk/>
+            <pc:sldMk cId="3041369274" sldId="307"/>
+            <ac:picMk id="4" creationId="{D5D3D7D8-8613-BC75-FB3A-6D50B5C88765}"/>
+          </ac:picMkLst>
+        </pc:picChg>
+        <pc:picChg chg="add del mod">
+          <ac:chgData name="Shmuel Shaul" userId="42e60bd3-1405-46d2-9711-0fda8a00c4e7" providerId="ADAL" clId="{18995784-AB9D-4E4D-99BF-A74B8B23D3A8}" dt="2023-01-23T11:11:05.341" v="12" actId="478"/>
+          <ac:picMkLst>
+            <pc:docMk/>
+            <pc:sldMk cId="3041369274" sldId="307"/>
+            <ac:picMk id="6" creationId="{86480362-B169-E822-7F90-BA1006B5837B}"/>
+          </ac:picMkLst>
+        </pc:picChg>
+        <pc:picChg chg="add mod">
+          <ac:chgData name="Shmuel Shaul" userId="42e60bd3-1405-46d2-9711-0fda8a00c4e7" providerId="ADAL" clId="{18995784-AB9D-4E4D-99BF-A74B8B23D3A8}" dt="2023-01-23T12:22:22.945" v="61" actId="1035"/>
+          <ac:picMkLst>
+            <pc:docMk/>
+            <pc:sldMk cId="3041369274" sldId="307"/>
+            <ac:picMk id="8" creationId="{0419F14D-ADC9-005C-F1C2-94BB8C1E9979}"/>
+          </ac:picMkLst>
+        </pc:picChg>
+      </pc:sldChg>
+      <pc:sldChg chg="modSp mod">
+        <pc:chgData name="Shmuel Shaul" userId="42e60bd3-1405-46d2-9711-0fda8a00c4e7" providerId="ADAL" clId="{18995784-AB9D-4E4D-99BF-A74B8B23D3A8}" dt="2023-01-23T11:35:23.734" v="27" actId="20577"/>
+        <pc:sldMkLst>
+          <pc:docMk/>
+          <pc:sldMk cId="473906681" sldId="308"/>
+        </pc:sldMkLst>
+        <pc:spChg chg="mod">
+          <ac:chgData name="Shmuel Shaul" userId="42e60bd3-1405-46d2-9711-0fda8a00c4e7" providerId="ADAL" clId="{18995784-AB9D-4E4D-99BF-A74B8B23D3A8}" dt="2023-01-23T11:35:23.734" v="27" actId="20577"/>
+          <ac:spMkLst>
+            <pc:docMk/>
+            <pc:sldMk cId="473906681" sldId="308"/>
+            <ac:spMk id="4" creationId="{856AB57F-7D41-F66D-7365-D7454AA20339}"/>
+          </ac:spMkLst>
+        </pc:spChg>
+      </pc:sldChg>
+      <pc:sldChg chg="modSp mod">
+        <pc:chgData name="Shmuel Shaul" userId="42e60bd3-1405-46d2-9711-0fda8a00c4e7" providerId="ADAL" clId="{18995784-AB9D-4E4D-99BF-A74B8B23D3A8}" dt="2023-01-23T11:35:33.030" v="31" actId="20577"/>
+        <pc:sldMkLst>
+          <pc:docMk/>
+          <pc:sldMk cId="2970533652" sldId="309"/>
+        </pc:sldMkLst>
+        <pc:spChg chg="mod">
+          <ac:chgData name="Shmuel Shaul" userId="42e60bd3-1405-46d2-9711-0fda8a00c4e7" providerId="ADAL" clId="{18995784-AB9D-4E4D-99BF-A74B8B23D3A8}" dt="2023-01-23T11:35:33.030" v="31" actId="20577"/>
+          <ac:spMkLst>
+            <pc:docMk/>
+            <pc:sldMk cId="2970533652" sldId="309"/>
+            <ac:spMk id="4" creationId="{2ED9E2EB-E65D-3726-983D-E407A5596D43}"/>
+          </ac:spMkLst>
+        </pc:spChg>
+      </pc:sldChg>
+      <pc:sldChg chg="addSp modSp">
+        <pc:chgData name="Shmuel Shaul" userId="42e60bd3-1405-46d2-9711-0fda8a00c4e7" providerId="ADAL" clId="{18995784-AB9D-4E4D-99BF-A74B8B23D3A8}" dt="2023-01-23T10:55:39.252" v="4" actId="164"/>
+        <pc:sldMkLst>
+          <pc:docMk/>
+          <pc:sldMk cId="3032063931" sldId="311"/>
+        </pc:sldMkLst>
+        <pc:spChg chg="mod">
+          <ac:chgData name="Shmuel Shaul" userId="42e60bd3-1405-46d2-9711-0fda8a00c4e7" providerId="ADAL" clId="{18995784-AB9D-4E4D-99BF-A74B8B23D3A8}" dt="2023-01-23T10:55:39.252" v="4" actId="164"/>
+          <ac:spMkLst>
+            <pc:docMk/>
+            <pc:sldMk cId="3032063931" sldId="311"/>
+            <ac:spMk id="12" creationId="{274C6487-BB81-4321-EEB7-7886D7BE1011}"/>
+          </ac:spMkLst>
+        </pc:spChg>
+        <pc:grpChg chg="add mod">
+          <ac:chgData name="Shmuel Shaul" userId="42e60bd3-1405-46d2-9711-0fda8a00c4e7" providerId="ADAL" clId="{18995784-AB9D-4E4D-99BF-A74B8B23D3A8}" dt="2023-01-23T10:55:39.252" v="4" actId="164"/>
+          <ac:grpSpMkLst>
+            <pc:docMk/>
+            <pc:sldMk cId="3032063931" sldId="311"/>
+            <ac:grpSpMk id="6" creationId="{76DBA94E-980D-EA35-3B00-2EC157673EAA}"/>
+          </ac:grpSpMkLst>
+        </pc:grpChg>
+        <pc:grpChg chg="mod">
+          <ac:chgData name="Shmuel Shaul" userId="42e60bd3-1405-46d2-9711-0fda8a00c4e7" providerId="ADAL" clId="{18995784-AB9D-4E4D-99BF-A74B8B23D3A8}" dt="2023-01-23T10:55:39.252" v="4" actId="164"/>
+          <ac:grpSpMkLst>
+            <pc:docMk/>
+            <pc:sldMk cId="3032063931" sldId="311"/>
+            <ac:grpSpMk id="1043" creationId="{6EE225B9-41C9-79DD-03C3-C32FB82D974D}"/>
+          </ac:grpSpMkLst>
+        </pc:grpChg>
+        <pc:cxnChg chg="mod">
+          <ac:chgData name="Shmuel Shaul" userId="42e60bd3-1405-46d2-9711-0fda8a00c4e7" providerId="ADAL" clId="{18995784-AB9D-4E4D-99BF-A74B8B23D3A8}" dt="2023-01-23T10:55:39.252" v="4" actId="164"/>
+          <ac:cxnSpMkLst>
+            <pc:docMk/>
+            <pc:sldMk cId="3032063931" sldId="311"/>
+            <ac:cxnSpMk id="5" creationId="{C1543345-47A4-6ADC-6970-099AB6C7515C}"/>
+          </ac:cxnSpMkLst>
+        </pc:cxnChg>
+      </pc:sldChg>
+      <pc:sldChg chg="addSp delSp new del mod">
+        <pc:chgData name="Shmuel Shaul" userId="42e60bd3-1405-46d2-9711-0fda8a00c4e7" providerId="ADAL" clId="{18995784-AB9D-4E4D-99BF-A74B8B23D3A8}" dt="2023-01-23T11:35:06.584" v="23" actId="47"/>
+        <pc:sldMkLst>
+          <pc:docMk/>
+          <pc:sldMk cId="1155154159" sldId="313"/>
+        </pc:sldMkLst>
+        <pc:spChg chg="del">
+          <ac:chgData name="Shmuel Shaul" userId="42e60bd3-1405-46d2-9711-0fda8a00c4e7" providerId="ADAL" clId="{18995784-AB9D-4E4D-99BF-A74B8B23D3A8}" dt="2023-01-23T11:34:32.563" v="17" actId="478"/>
+          <ac:spMkLst>
+            <pc:docMk/>
+            <pc:sldMk cId="1155154159" sldId="313"/>
+            <ac:spMk id="3" creationId="{FD75829C-BEA2-182A-7581-BDED8B773CE1}"/>
+          </ac:spMkLst>
+        </pc:spChg>
+        <pc:picChg chg="add del">
+          <ac:chgData name="Shmuel Shaul" userId="42e60bd3-1405-46d2-9711-0fda8a00c4e7" providerId="ADAL" clId="{18995784-AB9D-4E4D-99BF-A74B8B23D3A8}" dt="2023-01-23T11:35:02.282" v="21" actId="21"/>
+          <ac:picMkLst>
+            <pc:docMk/>
+            <pc:sldMk cId="1155154159" sldId="313"/>
+            <ac:picMk id="5" creationId="{C80AE3F6-AD1D-8E94-44AD-14A3F50B8BF4}"/>
+          </ac:picMkLst>
+        </pc:picChg>
+      </pc:sldChg>
+      <pc:sldChg chg="addSp delSp modSp add mod">
+        <pc:chgData name="Shmuel Shaul" userId="42e60bd3-1405-46d2-9711-0fda8a00c4e7" providerId="ADAL" clId="{18995784-AB9D-4E4D-99BF-A74B8B23D3A8}" dt="2023-01-23T12:23:03.304" v="77" actId="20577"/>
+        <pc:sldMkLst>
+          <pc:docMk/>
+          <pc:sldMk cId="3699844875" sldId="314"/>
+        </pc:sldMkLst>
+        <pc:spChg chg="mod">
+          <ac:chgData name="Shmuel Shaul" userId="42e60bd3-1405-46d2-9711-0fda8a00c4e7" providerId="ADAL" clId="{18995784-AB9D-4E4D-99BF-A74B8B23D3A8}" dt="2023-01-23T11:35:19.489" v="25" actId="20577"/>
+          <ac:spMkLst>
+            <pc:docMk/>
+            <pc:sldMk cId="3699844875" sldId="314"/>
+            <ac:spMk id="3" creationId="{EEBFA1A0-F610-4462-ED5E-370BE548519E}"/>
+          </ac:spMkLst>
+        </pc:spChg>
+        <pc:spChg chg="add mod">
+          <ac:chgData name="Shmuel Shaul" userId="42e60bd3-1405-46d2-9711-0fda8a00c4e7" providerId="ADAL" clId="{18995784-AB9D-4E4D-99BF-A74B8B23D3A8}" dt="2023-01-23T12:23:03.304" v="77" actId="20577"/>
+          <ac:spMkLst>
+            <pc:docMk/>
+            <pc:sldMk cId="3699844875" sldId="314"/>
+            <ac:spMk id="5" creationId="{20C61DC9-2D08-86B9-CA9C-BCBD89DF7FD3}"/>
+          </ac:spMkLst>
+        </pc:spChg>
+        <pc:picChg chg="add mod">
+          <ac:chgData name="Shmuel Shaul" userId="42e60bd3-1405-46d2-9711-0fda8a00c4e7" providerId="ADAL" clId="{18995784-AB9D-4E4D-99BF-A74B8B23D3A8}" dt="2023-01-23T11:35:03.506" v="22"/>
+          <ac:picMkLst>
+            <pc:docMk/>
+            <pc:sldMk cId="3699844875" sldId="314"/>
+            <ac:picMk id="4" creationId="{610E8841-6739-6F85-BFC7-BF02E5C5CF32}"/>
+          </ac:picMkLst>
+        </pc:picChg>
+        <pc:picChg chg="del">
+          <ac:chgData name="Shmuel Shaul" userId="42e60bd3-1405-46d2-9711-0fda8a00c4e7" providerId="ADAL" clId="{18995784-AB9D-4E4D-99BF-A74B8B23D3A8}" dt="2023-01-23T11:34:59.914" v="20" actId="478"/>
+          <ac:picMkLst>
+            <pc:docMk/>
+            <pc:sldMk cId="3699844875" sldId="314"/>
+            <ac:picMk id="8" creationId="{0419F14D-ADC9-005C-F1C2-94BB8C1E9979}"/>
+          </ac:picMkLst>
+        </pc:picChg>
+      </pc:sldChg>
+      <pc:sldChg chg="new del">
+        <pc:chgData name="Shmuel Shaul" userId="42e60bd3-1405-46d2-9711-0fda8a00c4e7" providerId="ADAL" clId="{18995784-AB9D-4E4D-99BF-A74B8B23D3A8}" dt="2023-01-23T12:21:57.687" v="33" actId="680"/>
+        <pc:sldMkLst>
+          <pc:docMk/>
+          <pc:sldMk cId="119520087" sldId="315"/>
+        </pc:sldMkLst>
+      </pc:sldChg>
+    </pc:docChg>
+  </pc:docChgLst>
+</pc:chgInfo>
 </file>
 
 <file path=ppt/handoutMasters/handoutMaster1.xml><?xml version="1.0" encoding="utf-8"?>
@@ -247,7 +527,7 @@
           <a:p>
             <a:fld id="{23DA05D5-EC84-4990-8BCE-F73D60F7B097}" type="datetimeFigureOut">
               <a:rPr lang="en-IL" smtClean="0"/>
-              <a:t>22/01/2023</a:t>
+              <a:t>23/01/2023</a:t>
             </a:fld>
             <a:endParaRPr lang="en-IL"/>
           </a:p>
@@ -425,7 +705,7 @@
           <a:p>
             <a:fld id="{A0FE4780-4742-4AF7-B9F6-29387D06C872}" type="datetimeFigureOut">
               <a:rPr lang="ko-KR" altLang="en-US" smtClean="0"/>
-              <a:t>2023-01-22</a:t>
+              <a:t>2023-01-23</a:t>
             </a:fld>
             <a:endParaRPr lang="ko-KR" altLang="en-US"/>
           </a:p>
@@ -843,7 +1123,7 @@
           <a:p>
             <a:fld id="{B820E160-F603-41F3-A192-DC95957721C3}" type="slidenum">
               <a:rPr lang="ko-KR" altLang="en-US" smtClean="0"/>
-              <a:t>12</a:t>
+              <a:t>10</a:t>
             </a:fld>
             <a:endParaRPr lang="ko-KR" altLang="en-US"/>
           </a:p>
@@ -852,7 +1132,7 @@
     </p:spTree>
     <p:extLst>
       <p:ext uri="{BB962C8B-B14F-4D97-AF65-F5344CB8AC3E}">
-        <p14:creationId xmlns:p14="http://schemas.microsoft.com/office/powerpoint/2010/main" val="3953495381"/>
+        <p14:creationId xmlns:p14="http://schemas.microsoft.com/office/powerpoint/2010/main" val="2544806899"/>
       </p:ext>
     </p:extLst>
   </p:cSld>
@@ -936,6 +1216,90 @@
     </p:spTree>
     <p:extLst>
       <p:ext uri="{BB962C8B-B14F-4D97-AF65-F5344CB8AC3E}">
+        <p14:creationId xmlns:p14="http://schemas.microsoft.com/office/powerpoint/2010/main" val="3953495381"/>
+      </p:ext>
+    </p:extLst>
+  </p:cSld>
+  <p:clrMapOvr>
+    <a:masterClrMapping/>
+  </p:clrMapOvr>
+</p:notes>
+</file>
+
+<file path=ppt/notesSlides/notesSlide12.xml><?xml version="1.0" encoding="utf-8"?>
+<p:notes xmlns:a="http://schemas.openxmlformats.org/drawingml/2006/main" xmlns:r="http://schemas.openxmlformats.org/officeDocument/2006/relationships" xmlns:p="http://schemas.openxmlformats.org/presentationml/2006/main">
+  <p:cSld>
+    <p:spTree>
+      <p:nvGrpSpPr>
+        <p:cNvPr id="1" name=""/>
+        <p:cNvGrpSpPr/>
+        <p:nvPr/>
+      </p:nvGrpSpPr>
+      <p:grpSpPr>
+        <a:xfrm>
+          <a:off x="0" y="0"/>
+          <a:ext cx="0" cy="0"/>
+          <a:chOff x="0" y="0"/>
+          <a:chExt cx="0" cy="0"/>
+        </a:xfrm>
+      </p:grpSpPr>
+      <p:sp>
+        <p:nvSpPr>
+          <p:cNvPr id="2" name="Slide Image Placeholder 1"/>
+          <p:cNvSpPr>
+            <a:spLocks noGrp="1" noRot="1" noChangeAspect="1"/>
+          </p:cNvSpPr>
+          <p:nvPr>
+            <p:ph type="sldImg"/>
+          </p:nvPr>
+        </p:nvSpPr>
+        <p:spPr/>
+      </p:sp>
+      <p:sp>
+        <p:nvSpPr>
+          <p:cNvPr id="3" name="Notes Placeholder 2"/>
+          <p:cNvSpPr>
+            <a:spLocks noGrp="1"/>
+          </p:cNvSpPr>
+          <p:nvPr>
+            <p:ph type="body" idx="1"/>
+          </p:nvPr>
+        </p:nvSpPr>
+        <p:spPr/>
+        <p:txBody>
+          <a:bodyPr/>
+          <a:lstStyle/>
+          <a:p>
+            <a:endParaRPr lang="en-IL" dirty="0"/>
+          </a:p>
+        </p:txBody>
+      </p:sp>
+      <p:sp>
+        <p:nvSpPr>
+          <p:cNvPr id="4" name="Slide Number Placeholder 3"/>
+          <p:cNvSpPr>
+            <a:spLocks noGrp="1"/>
+          </p:cNvSpPr>
+          <p:nvPr>
+            <p:ph type="sldNum" sz="quarter" idx="5"/>
+          </p:nvPr>
+        </p:nvSpPr>
+        <p:spPr/>
+        <p:txBody>
+          <a:bodyPr/>
+          <a:lstStyle/>
+          <a:p>
+            <a:fld id="{B820E160-F603-41F3-A192-DC95957721C3}" type="slidenum">
+              <a:rPr lang="ko-KR" altLang="en-US" smtClean="0"/>
+              <a:t>14</a:t>
+            </a:fld>
+            <a:endParaRPr lang="ko-KR" altLang="en-US"/>
+          </a:p>
+        </p:txBody>
+      </p:sp>
+    </p:spTree>
+    <p:extLst>
+      <p:ext uri="{BB962C8B-B14F-4D97-AF65-F5344CB8AC3E}">
         <p14:creationId xmlns:p14="http://schemas.microsoft.com/office/powerpoint/2010/main" val="3849190361"/>
       </p:ext>
     </p:extLst>
@@ -946,7 +1310,7 @@
 </p:notes>
 </file>
 
-<file path=ppt/notesSlides/notesSlide12.xml><?xml version="1.0" encoding="utf-8"?>
+<file path=ppt/notesSlides/notesSlide13.xml><?xml version="1.0" encoding="utf-8"?>
 <p:notes xmlns:a="http://schemas.openxmlformats.org/drawingml/2006/main" xmlns:r="http://schemas.openxmlformats.org/officeDocument/2006/relationships" xmlns:p="http://schemas.openxmlformats.org/presentationml/2006/main">
   <p:cSld>
     <p:spTree>
@@ -1011,7 +1375,7 @@
           <a:p>
             <a:fld id="{B820E160-F603-41F3-A192-DC95957721C3}" type="slidenum">
               <a:rPr lang="ko-KR" altLang="en-US" smtClean="0"/>
-              <a:t>14</a:t>
+              <a:t>15</a:t>
             </a:fld>
             <a:endParaRPr lang="ko-KR" altLang="en-US"/>
           </a:p>
@@ -8815,47 +9179,6 @@
           </a:p>
         </p:txBody>
       </p:sp>
-      <p:pic>
-        <p:nvPicPr>
-          <p:cNvPr id="4" name="Picture 3" descr="Diagram&#10;&#10;Description automatically generated">
-            <a:extLst>
-              <a:ext uri="{FF2B5EF4-FFF2-40B4-BE49-F238E27FC236}">
-                <a16:creationId xmlns:a16="http://schemas.microsoft.com/office/drawing/2014/main" id="{04E62D83-AFA4-FA6B-29F7-2299432DC2EA}"/>
-              </a:ext>
-            </a:extLst>
-          </p:cNvPr>
-          <p:cNvPicPr>
-            <a:picLocks noChangeAspect="1"/>
-          </p:cNvPicPr>
-          <p:nvPr/>
-        </p:nvPicPr>
-        <p:blipFill>
-          <a:blip r:embed="rId2" cstate="print">
-            <a:extLst>
-              <a:ext uri="{28A0092B-C50C-407E-A947-70E740481C1C}">
-                <a14:useLocalDpi xmlns:a14="http://schemas.microsoft.com/office/drawing/2010/main" val="0"/>
-              </a:ext>
-            </a:extLst>
-          </a:blip>
-          <a:stretch>
-            <a:fillRect/>
-          </a:stretch>
-        </p:blipFill>
-        <p:spPr>
-          <a:xfrm>
-            <a:off x="1300432" y="714462"/>
-            <a:ext cx="6534008" cy="4320480"/>
-          </a:xfrm>
-          <a:prstGeom prst="rect">
-            <a:avLst/>
-          </a:prstGeom>
-          <a:ln>
-            <a:solidFill>
-              <a:schemeClr val="tx1"/>
-            </a:solidFill>
-          </a:ln>
-        </p:spPr>
-      </p:pic>
       <p:sp>
         <p:nvSpPr>
           <p:cNvPr id="3" name="TextBox 2">
@@ -8892,6 +9215,47 @@
           </a:p>
         </p:txBody>
       </p:sp>
+      <p:pic>
+        <p:nvPicPr>
+          <p:cNvPr id="5" name="Picture 4" descr="Diagram&#10;&#10;Description automatically generated">
+            <a:extLst>
+              <a:ext uri="{FF2B5EF4-FFF2-40B4-BE49-F238E27FC236}">
+                <a16:creationId xmlns:a16="http://schemas.microsoft.com/office/drawing/2014/main" id="{BAAECFD9-2DB5-19B3-511A-31E97266A2E2}"/>
+              </a:ext>
+            </a:extLst>
+          </p:cNvPr>
+          <p:cNvPicPr>
+            <a:picLocks noChangeAspect="1"/>
+          </p:cNvPicPr>
+          <p:nvPr/>
+        </p:nvPicPr>
+        <p:blipFill>
+          <a:blip r:embed="rId3">
+            <a:extLst>
+              <a:ext uri="{28A0092B-C50C-407E-A947-70E740481C1C}">
+                <a14:useLocalDpi xmlns:a14="http://schemas.microsoft.com/office/drawing/2010/main" val="0"/>
+              </a:ext>
+            </a:extLst>
+          </a:blip>
+          <a:stretch>
+            <a:fillRect/>
+          </a:stretch>
+        </p:blipFill>
+        <p:spPr>
+          <a:xfrm>
+            <a:off x="1328550" y="695083"/>
+            <a:ext cx="6477772" cy="4261579"/>
+          </a:xfrm>
+          <a:prstGeom prst="rect">
+            <a:avLst/>
+          </a:prstGeom>
+          <a:ln>
+            <a:solidFill>
+              <a:schemeClr val="tx1"/>
+            </a:solidFill>
+          </a:ln>
+        </p:spPr>
+      </p:pic>
     </p:spTree>
     <p:extLst>
       <p:ext uri="{BB962C8B-B14F-4D97-AF65-F5344CB8AC3E}">
@@ -8960,50 +9324,6 @@
           </a:p>
         </p:txBody>
       </p:sp>
-      <p:pic>
-        <p:nvPicPr>
-          <p:cNvPr id="4" name="Picture 3">
-            <a:extLst>
-              <a:ext uri="{FF2B5EF4-FFF2-40B4-BE49-F238E27FC236}">
-                <a16:creationId xmlns:a16="http://schemas.microsoft.com/office/drawing/2014/main" id="{D5D3D7D8-8613-BC75-FB3A-6D50B5C88765}"/>
-              </a:ext>
-            </a:extLst>
-          </p:cNvPr>
-          <p:cNvPicPr>
-            <a:picLocks noChangeAspect="1"/>
-          </p:cNvPicPr>
-          <p:nvPr/>
-        </p:nvPicPr>
-        <p:blipFill rotWithShape="1">
-          <a:blip r:embed="rId2">
-            <a:extLst>
-              <a:ext uri="{28A0092B-C50C-407E-A947-70E740481C1C}">
-                <a14:useLocalDpi xmlns:a14="http://schemas.microsoft.com/office/drawing/2010/main" val="0"/>
-              </a:ext>
-            </a:extLst>
-          </a:blip>
-          <a:srcRect l="1082" t="4863" r="2053" b="2450"/>
-          <a:stretch/>
-        </p:blipFill>
-        <p:spPr bwMode="auto">
-          <a:xfrm>
-            <a:off x="290656" y="987574"/>
-            <a:ext cx="8553560" cy="3867904"/>
-          </a:xfrm>
-          <a:prstGeom prst="rect">
-            <a:avLst/>
-          </a:prstGeom>
-          <a:noFill/>
-          <a:ln>
-            <a:noFill/>
-          </a:ln>
-          <a:extLst>
-            <a:ext uri="{53640926-AAD7-44D8-BBD7-CCE9431645EC}">
-              <a14:shadowObscured xmlns:a14="http://schemas.microsoft.com/office/drawing/2010/main"/>
-            </a:ext>
-          </a:extLst>
-        </p:spPr>
-      </p:pic>
       <p:sp>
         <p:nvSpPr>
           <p:cNvPr id="3" name="TextBox 2">
@@ -9040,6 +9360,70 @@
           </a:p>
         </p:txBody>
       </p:sp>
+      <p:pic>
+        <p:nvPicPr>
+          <p:cNvPr id="8" name="Picture 7">
+            <a:extLst>
+              <a:ext uri="{FF2B5EF4-FFF2-40B4-BE49-F238E27FC236}">
+                <a16:creationId xmlns:a16="http://schemas.microsoft.com/office/drawing/2014/main" id="{0419F14D-ADC9-005C-F1C2-94BB8C1E9979}"/>
+              </a:ext>
+            </a:extLst>
+          </p:cNvPr>
+          <p:cNvPicPr>
+            <a:picLocks noChangeAspect="1"/>
+          </p:cNvPicPr>
+          <p:nvPr/>
+        </p:nvPicPr>
+        <p:blipFill>
+          <a:blip r:embed="rId2"/>
+          <a:stretch>
+            <a:fillRect/>
+          </a:stretch>
+        </p:blipFill>
+        <p:spPr>
+          <a:xfrm>
+            <a:off x="1687117" y="1059582"/>
+            <a:ext cx="5760638" cy="3545520"/>
+          </a:xfrm>
+          <a:prstGeom prst="rect">
+            <a:avLst/>
+          </a:prstGeom>
+        </p:spPr>
+      </p:pic>
+      <p:sp>
+        <p:nvSpPr>
+          <p:cNvPr id="9" name="Text Placeholder 2">
+            <a:extLst>
+              <a:ext uri="{FF2B5EF4-FFF2-40B4-BE49-F238E27FC236}">
+                <a16:creationId xmlns:a16="http://schemas.microsoft.com/office/drawing/2014/main" id="{C4DB0776-212E-3DEB-C851-82B94FE6C8F3}"/>
+              </a:ext>
+            </a:extLst>
+          </p:cNvPr>
+          <p:cNvSpPr>
+            <a:spLocks noGrp="1"/>
+          </p:cNvSpPr>
+          <p:nvPr>
+            <p:ph type="body" sz="quarter" idx="11"/>
+          </p:nvPr>
+        </p:nvSpPr>
+        <p:spPr>
+          <a:xfrm>
+            <a:off x="0" y="699542"/>
+            <a:ext cx="9144000" cy="288032"/>
+          </a:xfrm>
+        </p:spPr>
+        <p:txBody>
+          <a:bodyPr/>
+          <a:lstStyle/>
+          <a:p>
+            <a:r>
+              <a:rPr lang="en-US" dirty="0"/>
+              <a:t>Request Service</a:t>
+            </a:r>
+            <a:endParaRPr lang="en-IL" dirty="0"/>
+          </a:p>
+        </p:txBody>
+      </p:sp>
     </p:spTree>
     <p:extLst>
       <p:ext uri="{BB962C8B-B14F-4D97-AF65-F5344CB8AC3E}">
@@ -9054,6 +9438,174 @@
 </file>
 
 <file path=ppt/slides/slide12.xml><?xml version="1.0" encoding="utf-8"?>
+<p:sld xmlns:a="http://schemas.openxmlformats.org/drawingml/2006/main" xmlns:r="http://schemas.openxmlformats.org/officeDocument/2006/relationships" xmlns:p="http://schemas.openxmlformats.org/presentationml/2006/main">
+  <p:cSld>
+    <p:spTree>
+      <p:nvGrpSpPr>
+        <p:cNvPr id="1" name=""/>
+        <p:cNvGrpSpPr/>
+        <p:nvPr/>
+      </p:nvGrpSpPr>
+      <p:grpSpPr>
+        <a:xfrm>
+          <a:off x="0" y="0"/>
+          <a:ext cx="0" cy="0"/>
+          <a:chOff x="0" y="0"/>
+          <a:chExt cx="0" cy="0"/>
+        </a:xfrm>
+      </p:grpSpPr>
+      <p:sp>
+        <p:nvSpPr>
+          <p:cNvPr id="2" name="Text Placeholder 1"/>
+          <p:cNvSpPr>
+            <a:spLocks noGrp="1"/>
+          </p:cNvSpPr>
+          <p:nvPr>
+            <p:ph type="body" sz="quarter" idx="10"/>
+          </p:nvPr>
+        </p:nvSpPr>
+        <p:spPr>
+          <a:xfrm>
+            <a:off x="-4564" y="123478"/>
+            <a:ext cx="9144000" cy="576064"/>
+          </a:xfrm>
+        </p:spPr>
+        <p:txBody>
+          <a:bodyPr/>
+          <a:lstStyle/>
+          <a:p>
+            <a:r>
+              <a:rPr lang="en-US" altLang="ko-KR" dirty="0">
+                <a:latin typeface="Nunito Black" pitchFamily="2" charset="0"/>
+              </a:rPr>
+              <a:t>Activity Diagram</a:t>
+            </a:r>
+            <a:endParaRPr lang="ko-KR" altLang="en-US" dirty="0">
+              <a:solidFill>
+                <a:schemeClr val="tx1">
+                  <a:lumMod val="75000"/>
+                  <a:lumOff val="25000"/>
+                </a:schemeClr>
+              </a:solidFill>
+              <a:latin typeface="Nunito Black" pitchFamily="2" charset="0"/>
+            </a:endParaRPr>
+          </a:p>
+        </p:txBody>
+      </p:sp>
+      <p:sp>
+        <p:nvSpPr>
+          <p:cNvPr id="3" name="TextBox 2">
+            <a:extLst>
+              <a:ext uri="{FF2B5EF4-FFF2-40B4-BE49-F238E27FC236}">
+                <a16:creationId xmlns:a16="http://schemas.microsoft.com/office/drawing/2014/main" id="{EEBFA1A0-F610-4462-ED5E-370BE548519E}"/>
+              </a:ext>
+            </a:extLst>
+          </p:cNvPr>
+          <p:cNvSpPr txBox="1"/>
+          <p:nvPr/>
+        </p:nvSpPr>
+        <p:spPr>
+          <a:xfrm>
+            <a:off x="107504" y="4746539"/>
+            <a:ext cx="504056" cy="369332"/>
+          </a:xfrm>
+          <a:prstGeom prst="rect">
+            <a:avLst/>
+          </a:prstGeom>
+          <a:noFill/>
+        </p:spPr>
+        <p:txBody>
+          <a:bodyPr wrap="square" rtlCol="0">
+            <a:spAutoFit/>
+          </a:bodyPr>
+          <a:lstStyle/>
+          <a:p>
+            <a:r>
+              <a:rPr lang="en-US" dirty="0"/>
+              <a:t>12</a:t>
+            </a:r>
+            <a:endParaRPr lang="en-IL" dirty="0"/>
+          </a:p>
+        </p:txBody>
+      </p:sp>
+      <p:pic>
+        <p:nvPicPr>
+          <p:cNvPr id="4" name="Picture 3">
+            <a:extLst>
+              <a:ext uri="{FF2B5EF4-FFF2-40B4-BE49-F238E27FC236}">
+                <a16:creationId xmlns:a16="http://schemas.microsoft.com/office/drawing/2014/main" id="{610E8841-6739-6F85-BFC7-BF02E5C5CF32}"/>
+              </a:ext>
+            </a:extLst>
+          </p:cNvPr>
+          <p:cNvPicPr>
+            <a:picLocks noChangeAspect="1"/>
+          </p:cNvPicPr>
+          <p:nvPr/>
+        </p:nvPicPr>
+        <p:blipFill>
+          <a:blip r:embed="rId2"/>
+          <a:stretch>
+            <a:fillRect/>
+          </a:stretch>
+        </p:blipFill>
+        <p:spPr>
+          <a:xfrm>
+            <a:off x="0" y="1064860"/>
+            <a:ext cx="9144000" cy="3013780"/>
+          </a:xfrm>
+          <a:prstGeom prst="rect">
+            <a:avLst/>
+          </a:prstGeom>
+        </p:spPr>
+      </p:pic>
+      <p:sp>
+        <p:nvSpPr>
+          <p:cNvPr id="5" name="Text Placeholder 2">
+            <a:extLst>
+              <a:ext uri="{FF2B5EF4-FFF2-40B4-BE49-F238E27FC236}">
+                <a16:creationId xmlns:a16="http://schemas.microsoft.com/office/drawing/2014/main" id="{20C61DC9-2D08-86B9-CA9C-BCBD89DF7FD3}"/>
+              </a:ext>
+            </a:extLst>
+          </p:cNvPr>
+          <p:cNvSpPr>
+            <a:spLocks noGrp="1"/>
+          </p:cNvSpPr>
+          <p:nvPr>
+            <p:ph type="body" sz="quarter" idx="11"/>
+          </p:nvPr>
+        </p:nvSpPr>
+        <p:spPr>
+          <a:xfrm>
+            <a:off x="0" y="699542"/>
+            <a:ext cx="9144000" cy="288032"/>
+          </a:xfrm>
+        </p:spPr>
+        <p:txBody>
+          <a:bodyPr/>
+          <a:lstStyle/>
+          <a:p>
+            <a:r>
+              <a:rPr lang="en-US" dirty="0"/>
+              <a:t>Provide Service</a:t>
+            </a:r>
+            <a:endParaRPr lang="en-IL" dirty="0"/>
+          </a:p>
+        </p:txBody>
+      </p:sp>
+    </p:spTree>
+    <p:extLst>
+      <p:ext uri="{BB962C8B-B14F-4D97-AF65-F5344CB8AC3E}">
+        <p14:creationId xmlns:p14="http://schemas.microsoft.com/office/powerpoint/2010/main" val="3699844875"/>
+      </p:ext>
+    </p:extLst>
+  </p:cSld>
+  <p:clrMapOvr>
+    <a:masterClrMapping/>
+  </p:clrMapOvr>
+</p:sld>
+</file>
+
+<file path=ppt/slides/slide13.xml><?xml version="1.0" encoding="utf-8"?>
 <p:sld xmlns:a="http://schemas.openxmlformats.org/drawingml/2006/main" xmlns:r="http://schemas.openxmlformats.org/officeDocument/2006/relationships" xmlns:p="http://schemas.openxmlformats.org/presentationml/2006/main">
   <p:cSld>
     <p:spTree>
@@ -9463,7 +10015,7 @@
           <a:p>
             <a:r>
               <a:rPr lang="en-US" dirty="0"/>
-              <a:t>12</a:t>
+              <a:t>13</a:t>
             </a:r>
             <a:endParaRPr lang="en-IL" dirty="0"/>
           </a:p>
@@ -9482,7 +10034,7 @@
 </p:sld>
 </file>
 
-<file path=ppt/slides/slide13.xml><?xml version="1.0" encoding="utf-8"?>
+<file path=ppt/slides/slide14.xml><?xml version="1.0" encoding="utf-8"?>
 <p:sld xmlns:a="http://schemas.openxmlformats.org/drawingml/2006/main" xmlns:r="http://schemas.openxmlformats.org/officeDocument/2006/relationships" xmlns:p="http://schemas.openxmlformats.org/presentationml/2006/main">
   <p:cSld>
     <p:spTree>
@@ -10646,7 +11198,7 @@
           <a:p>
             <a:r>
               <a:rPr lang="en-US" dirty="0"/>
-              <a:t>13</a:t>
+              <a:t>14</a:t>
             </a:r>
             <a:endParaRPr lang="en-IL" dirty="0"/>
           </a:p>
@@ -10665,7 +11217,7 @@
 </p:sld>
 </file>
 
-<file path=ppt/slides/slide14.xml><?xml version="1.0" encoding="utf-8"?>
+<file path=ppt/slides/slide15.xml><?xml version="1.0" encoding="utf-8"?>
 <p:sld xmlns:a="http://schemas.openxmlformats.org/drawingml/2006/main" xmlns:r="http://schemas.openxmlformats.org/officeDocument/2006/relationships" xmlns:p="http://schemas.openxmlformats.org/presentationml/2006/main">
   <p:cSld>
     <p:spTree>
@@ -12123,7 +12675,7 @@
           <a:p>
             <a:r>
               <a:rPr lang="en-US" dirty="0"/>
-              <a:t>14</a:t>
+              <a:t>15</a:t>
             </a:r>
             <a:endParaRPr lang="en-IL" dirty="0"/>
           </a:p>
@@ -12142,7 +12694,7 @@
 </p:sld>
 </file>
 
-<file path=ppt/slides/slide15.xml><?xml version="1.0" encoding="utf-8"?>
+<file path=ppt/slides/slide16.xml><?xml version="1.0" encoding="utf-8"?>
 <p:sld xmlns:a="http://schemas.openxmlformats.org/drawingml/2006/main" xmlns:r="http://schemas.openxmlformats.org/officeDocument/2006/relationships" xmlns:p="http://schemas.openxmlformats.org/presentationml/2006/main">
   <p:cSld>
     <p:spTree>
@@ -19555,1161 +20107,6 @@
           </a:p>
         </p:txBody>
       </p:sp>
-      <p:grpSp>
-        <p:nvGrpSpPr>
-          <p:cNvPr id="1043" name="Group 1042">
-            <a:extLst>
-              <a:ext uri="{FF2B5EF4-FFF2-40B4-BE49-F238E27FC236}">
-                <a16:creationId xmlns:a16="http://schemas.microsoft.com/office/drawing/2014/main" id="{6EE225B9-41C9-79DD-03C3-C32FB82D974D}"/>
-              </a:ext>
-            </a:extLst>
-          </p:cNvPr>
-          <p:cNvGrpSpPr/>
-          <p:nvPr/>
-        </p:nvGrpSpPr>
-        <p:grpSpPr>
-          <a:xfrm>
-            <a:off x="1763688" y="1203598"/>
-            <a:ext cx="5552787" cy="3046710"/>
-            <a:chOff x="1763688" y="1203598"/>
-            <a:chExt cx="5552787" cy="3046710"/>
-          </a:xfrm>
-        </p:grpSpPr>
-        <p:grpSp>
-          <p:nvGrpSpPr>
-            <p:cNvPr id="1031" name="Group 1030">
-              <a:extLst>
-                <a:ext uri="{FF2B5EF4-FFF2-40B4-BE49-F238E27FC236}">
-                  <a16:creationId xmlns:a16="http://schemas.microsoft.com/office/drawing/2014/main" id="{FD8DED42-2BB2-5E1D-B2D3-FF0C2792AEE5}"/>
-                </a:ext>
-              </a:extLst>
-            </p:cNvPr>
-            <p:cNvGrpSpPr/>
-            <p:nvPr/>
-          </p:nvGrpSpPr>
-          <p:grpSpPr>
-            <a:xfrm>
-              <a:off x="1763688" y="1203598"/>
-              <a:ext cx="5552787" cy="3046710"/>
-              <a:chOff x="1323469" y="748596"/>
-              <a:chExt cx="5552787" cy="3046710"/>
-            </a:xfrm>
-          </p:grpSpPr>
-          <p:cxnSp>
-            <p:nvCxnSpPr>
-              <p:cNvPr id="37" name="Straight Arrow Connector 36">
-                <a:extLst>
-                  <a:ext uri="{FF2B5EF4-FFF2-40B4-BE49-F238E27FC236}">
-                    <a16:creationId xmlns:a16="http://schemas.microsoft.com/office/drawing/2014/main" id="{6B5826AE-08A1-8CB3-6A7B-6B58F7D74596}"/>
-                  </a:ext>
-                </a:extLst>
-              </p:cNvPr>
-              <p:cNvCxnSpPr>
-                <a:cxnSpLocks/>
-              </p:cNvCxnSpPr>
-              <p:nvPr/>
-            </p:nvCxnSpPr>
-            <p:spPr>
-              <a:xfrm flipH="1">
-                <a:off x="2286154" y="2298645"/>
-                <a:ext cx="1553284" cy="605762"/>
-              </a:xfrm>
-              <a:prstGeom prst="straightConnector1">
-                <a:avLst/>
-              </a:prstGeom>
-              <a:ln>
-                <a:tailEnd type="triangle"/>
-              </a:ln>
-            </p:spPr>
-            <p:style>
-              <a:lnRef idx="1">
-                <a:schemeClr val="accent1"/>
-              </a:lnRef>
-              <a:fillRef idx="0">
-                <a:schemeClr val="accent1"/>
-              </a:fillRef>
-              <a:effectRef idx="0">
-                <a:schemeClr val="accent1"/>
-              </a:effectRef>
-              <a:fontRef idx="minor">
-                <a:schemeClr val="tx1"/>
-              </a:fontRef>
-            </p:style>
-          </p:cxnSp>
-          <p:sp>
-            <p:nvSpPr>
-              <p:cNvPr id="43" name="TextBox 42">
-                <a:extLst>
-                  <a:ext uri="{FF2B5EF4-FFF2-40B4-BE49-F238E27FC236}">
-                    <a16:creationId xmlns:a16="http://schemas.microsoft.com/office/drawing/2014/main" id="{76C24A48-199E-5031-ABEC-D792AAE41682}"/>
-                  </a:ext>
-                </a:extLst>
-              </p:cNvPr>
-              <p:cNvSpPr txBox="1"/>
-              <p:nvPr/>
-            </p:nvSpPr>
-            <p:spPr>
-              <a:xfrm rot="20285844">
-                <a:off x="2549120" y="2543443"/>
-                <a:ext cx="1296146" cy="338554"/>
-              </a:xfrm>
-              <a:prstGeom prst="rect">
-                <a:avLst/>
-              </a:prstGeom>
-              <a:noFill/>
-            </p:spPr>
-            <p:txBody>
-              <a:bodyPr wrap="square">
-                <a:spAutoFit/>
-              </a:bodyPr>
-              <a:lstStyle/>
-              <a:p>
-                <a:pPr algn="ctr"/>
-                <a:r>
-                  <a:rPr lang="en-US" sz="800" dirty="0">
-                    <a:latin typeface="Nunito Black" pitchFamily="2" charset="0"/>
-                  </a:rPr>
-                  <a:t>Push notification</a:t>
-                </a:r>
-              </a:p>
-              <a:p>
-                <a:pPr algn="ctr"/>
-                <a:r>
-                  <a:rPr lang="en-US" sz="800" dirty="0">
-                    <a:latin typeface="Nunito Black" pitchFamily="2" charset="0"/>
-                  </a:rPr>
-                  <a:t>Of the service</a:t>
-                </a:r>
-                <a:endParaRPr lang="en-IL" sz="800" dirty="0"/>
-              </a:p>
-            </p:txBody>
-          </p:sp>
-          <p:sp>
-            <p:nvSpPr>
-              <p:cNvPr id="44" name="TextBox 43">
-                <a:extLst>
-                  <a:ext uri="{FF2B5EF4-FFF2-40B4-BE49-F238E27FC236}">
-                    <a16:creationId xmlns:a16="http://schemas.microsoft.com/office/drawing/2014/main" id="{C1B73FD3-ECCF-0D7F-0194-EDB2627BD72C}"/>
-                  </a:ext>
-                </a:extLst>
-              </p:cNvPr>
-              <p:cNvSpPr txBox="1"/>
-              <p:nvPr/>
-            </p:nvSpPr>
-            <p:spPr>
-              <a:xfrm rot="1210020">
-                <a:off x="2484700" y="1313267"/>
-                <a:ext cx="1296146" cy="215444"/>
-              </a:xfrm>
-              <a:prstGeom prst="rect">
-                <a:avLst/>
-              </a:prstGeom>
-              <a:noFill/>
-            </p:spPr>
-            <p:txBody>
-              <a:bodyPr wrap="square">
-                <a:spAutoFit/>
-              </a:bodyPr>
-              <a:lstStyle/>
-              <a:p>
-                <a:pPr algn="ctr"/>
-                <a:r>
-                  <a:rPr lang="en-US" sz="800" dirty="0">
-                    <a:latin typeface="Nunito Black" pitchFamily="2" charset="0"/>
-                  </a:rPr>
-                  <a:t>Create new request</a:t>
-                </a:r>
-                <a:endParaRPr lang="en-IL" sz="800" dirty="0"/>
-              </a:p>
-            </p:txBody>
-          </p:sp>
-          <p:grpSp>
-            <p:nvGrpSpPr>
-              <p:cNvPr id="55" name="Group 54">
-                <a:extLst>
-                  <a:ext uri="{FF2B5EF4-FFF2-40B4-BE49-F238E27FC236}">
-                    <a16:creationId xmlns:a16="http://schemas.microsoft.com/office/drawing/2014/main" id="{5DABF1CC-4EF6-E1D5-3B6E-85EA34F369F5}"/>
-                  </a:ext>
-                </a:extLst>
-              </p:cNvPr>
-              <p:cNvGrpSpPr/>
-              <p:nvPr/>
-            </p:nvGrpSpPr>
-            <p:grpSpPr>
-              <a:xfrm>
-                <a:off x="3776229" y="1312736"/>
-                <a:ext cx="3100027" cy="2172164"/>
-                <a:chOff x="3776229" y="1312736"/>
-                <a:chExt cx="3100027" cy="2172164"/>
-              </a:xfrm>
-            </p:grpSpPr>
-            <p:sp>
-              <p:nvSpPr>
-                <p:cNvPr id="29" name="Rectangle: Rounded Corners 28">
-                  <a:extLst>
-                    <a:ext uri="{FF2B5EF4-FFF2-40B4-BE49-F238E27FC236}">
-                      <a16:creationId xmlns:a16="http://schemas.microsoft.com/office/drawing/2014/main" id="{F88351A5-53C8-DC9F-2998-9BD6A882E894}"/>
-                    </a:ext>
-                  </a:extLst>
-                </p:cNvPr>
-                <p:cNvSpPr/>
-                <p:nvPr/>
-              </p:nvSpPr>
-              <p:spPr>
-                <a:xfrm>
-                  <a:off x="4067944" y="1312736"/>
-                  <a:ext cx="2808312" cy="2172164"/>
-                </a:xfrm>
-                <a:prstGeom prst="roundRect">
-                  <a:avLst/>
-                </a:prstGeom>
-                <a:noFill/>
-                <a:ln>
-                  <a:prstDash val="sysDash"/>
-                </a:ln>
-              </p:spPr>
-              <p:style>
-                <a:lnRef idx="2">
-                  <a:schemeClr val="accent3"/>
-                </a:lnRef>
-                <a:fillRef idx="1">
-                  <a:schemeClr val="lt1"/>
-                </a:fillRef>
-                <a:effectRef idx="0">
-                  <a:schemeClr val="accent3"/>
-                </a:effectRef>
-                <a:fontRef idx="minor">
-                  <a:schemeClr val="dk1"/>
-                </a:fontRef>
-              </p:style>
-              <p:txBody>
-                <a:bodyPr rtlCol="0" anchor="ctr"/>
-                <a:lstStyle/>
-                <a:p>
-                  <a:pPr algn="ctr"/>
-                  <a:endParaRPr lang="en-IL"/>
-                </a:p>
-              </p:txBody>
-            </p:sp>
-            <p:pic>
-              <p:nvPicPr>
-                <p:cNvPr id="10" name="Picture 6" descr="How to build a real-time chatroom with Firebase and React (Hooks)">
-                  <a:extLst>
-                    <a:ext uri="{FF2B5EF4-FFF2-40B4-BE49-F238E27FC236}">
-                      <a16:creationId xmlns:a16="http://schemas.microsoft.com/office/drawing/2014/main" id="{477FB45D-239A-142A-03D1-E2C8EB09F175}"/>
-                    </a:ext>
-                  </a:extLst>
-                </p:cNvPr>
-                <p:cNvPicPr>
-                  <a:picLocks noChangeAspect="1" noChangeArrowheads="1"/>
-                </p:cNvPicPr>
-                <p:nvPr/>
-              </p:nvPicPr>
-              <p:blipFill rotWithShape="1">
-                <a:blip r:embed="rId3" cstate="print">
-                  <a:extLst>
-                    <a:ext uri="{28A0092B-C50C-407E-A947-70E740481C1C}">
-                      <a14:useLocalDpi xmlns:a14="http://schemas.microsoft.com/office/drawing/2010/main" val="0"/>
-                    </a:ext>
-                  </a:extLst>
-                </a:blip>
-                <a:srcRect l="22466" t="8406" r="19547" b="7034"/>
-                <a:stretch/>
-              </p:blipFill>
-              <p:spPr bwMode="auto">
-                <a:xfrm>
-                  <a:off x="3776229" y="1697036"/>
-                  <a:ext cx="723764" cy="791554"/>
-                </a:xfrm>
-                <a:prstGeom prst="rect">
-                  <a:avLst/>
-                </a:prstGeom>
-                <a:noFill/>
-                <a:extLst>
-                  <a:ext uri="{909E8E84-426E-40DD-AFC4-6F175D3DCCD1}">
-                    <a14:hiddenFill xmlns:a14="http://schemas.microsoft.com/office/drawing/2010/main">
-                      <a:solidFill>
-                        <a:srgbClr val="FFFFFF"/>
-                      </a:solidFill>
-                    </a14:hiddenFill>
-                  </a:ext>
-                </a:extLst>
-              </p:spPr>
-            </p:pic>
-            <p:pic>
-              <p:nvPicPr>
-                <p:cNvPr id="24" name="Picture 23">
-                  <a:extLst>
-                    <a:ext uri="{FF2B5EF4-FFF2-40B4-BE49-F238E27FC236}">
-                      <a16:creationId xmlns:a16="http://schemas.microsoft.com/office/drawing/2014/main" id="{7EE7B87C-7A1E-48B5-440A-2C461B468598}"/>
-                    </a:ext>
-                  </a:extLst>
-                </p:cNvPr>
-                <p:cNvPicPr>
-                  <a:picLocks noChangeAspect="1"/>
-                </p:cNvPicPr>
-                <p:nvPr/>
-              </p:nvPicPr>
-              <p:blipFill>
-                <a:blip r:embed="rId4"/>
-                <a:stretch>
-                  <a:fillRect/>
-                </a:stretch>
-              </p:blipFill>
-              <p:spPr>
-                <a:xfrm>
-                  <a:off x="4788817" y="1398077"/>
-                  <a:ext cx="1296146" cy="289344"/>
-                </a:xfrm>
-                <a:prstGeom prst="rect">
-                  <a:avLst/>
-                </a:prstGeom>
-              </p:spPr>
-            </p:pic>
-            <p:grpSp>
-              <p:nvGrpSpPr>
-                <p:cNvPr id="31" name="Group 30">
-                  <a:extLst>
-                    <a:ext uri="{FF2B5EF4-FFF2-40B4-BE49-F238E27FC236}">
-                      <a16:creationId xmlns:a16="http://schemas.microsoft.com/office/drawing/2014/main" id="{437601E7-0B1B-1F5B-4312-B5CF3B9E72AF}"/>
-                    </a:ext>
-                  </a:extLst>
-                </p:cNvPr>
-                <p:cNvGrpSpPr/>
-                <p:nvPr/>
-              </p:nvGrpSpPr>
-              <p:grpSpPr>
-                <a:xfrm>
-                  <a:off x="5367772" y="1762471"/>
-                  <a:ext cx="1340535" cy="876698"/>
-                  <a:chOff x="5367772" y="1762471"/>
-                  <a:chExt cx="1340535" cy="876698"/>
-                </a:xfrm>
-              </p:grpSpPr>
-              <p:pic>
-                <p:nvPicPr>
-                  <p:cNvPr id="22" name="Picture 21">
-                    <a:extLst>
-                      <a:ext uri="{FF2B5EF4-FFF2-40B4-BE49-F238E27FC236}">
-                        <a16:creationId xmlns:a16="http://schemas.microsoft.com/office/drawing/2014/main" id="{F1733EBE-37E3-5AE6-DF58-597E0821F8A8}"/>
-                      </a:ext>
-                    </a:extLst>
-                  </p:cNvPr>
-                  <p:cNvPicPr>
-                    <a:picLocks noChangeAspect="1"/>
-                  </p:cNvPicPr>
-                  <p:nvPr/>
-                </p:nvPicPr>
-                <p:blipFill rotWithShape="1">
-                  <a:blip r:embed="rId5"/>
-                  <a:srcRect/>
-                  <a:stretch/>
-                </p:blipFill>
-                <p:spPr>
-                  <a:xfrm>
-                    <a:off x="5500437" y="1840959"/>
-                    <a:ext cx="1020826" cy="523884"/>
-                  </a:xfrm>
-                  <a:prstGeom prst="rect">
-                    <a:avLst/>
-                  </a:prstGeom>
-                </p:spPr>
-              </p:pic>
-              <p:sp>
-                <p:nvSpPr>
-                  <p:cNvPr id="26" name="TextBox 25">
-                    <a:extLst>
-                      <a:ext uri="{FF2B5EF4-FFF2-40B4-BE49-F238E27FC236}">
-                        <a16:creationId xmlns:a16="http://schemas.microsoft.com/office/drawing/2014/main" id="{7E2DC993-91D2-EDEA-21AB-CA2E30A9737A}"/>
-                      </a:ext>
-                    </a:extLst>
-                  </p:cNvPr>
-                  <p:cNvSpPr txBox="1"/>
-                  <p:nvPr/>
-                </p:nvSpPr>
-                <p:spPr>
-                  <a:xfrm>
-                    <a:off x="5412161" y="2300615"/>
-                    <a:ext cx="1296146" cy="338554"/>
-                  </a:xfrm>
-                  <a:prstGeom prst="rect">
-                    <a:avLst/>
-                  </a:prstGeom>
-                  <a:noFill/>
-                </p:spPr>
-                <p:txBody>
-                  <a:bodyPr wrap="square">
-                    <a:spAutoFit/>
-                  </a:bodyPr>
-                  <a:lstStyle/>
-                  <a:p>
-                    <a:pPr algn="ctr"/>
-                    <a:r>
-                      <a:rPr lang="en-US" sz="800" dirty="0">
-                        <a:latin typeface="Nunito Black" pitchFamily="2" charset="0"/>
-                      </a:rPr>
-                      <a:t>Recommendation</a:t>
-                    </a:r>
-                    <a:br>
-                      <a:rPr lang="en-US" sz="800" dirty="0">
-                        <a:latin typeface="Nunito Black" pitchFamily="2" charset="0"/>
-                      </a:rPr>
-                    </a:br>
-                    <a:r>
-                      <a:rPr lang="en-US" sz="800" dirty="0">
-                        <a:latin typeface="Nunito Black" pitchFamily="2" charset="0"/>
-                      </a:rPr>
-                      <a:t>system</a:t>
-                    </a:r>
-                    <a:endParaRPr lang="en-IL" sz="800" dirty="0"/>
-                  </a:p>
-                </p:txBody>
-              </p:sp>
-              <p:sp>
-                <p:nvSpPr>
-                  <p:cNvPr id="30" name="Rectangle: Rounded Corners 29">
-                    <a:extLst>
-                      <a:ext uri="{FF2B5EF4-FFF2-40B4-BE49-F238E27FC236}">
-                        <a16:creationId xmlns:a16="http://schemas.microsoft.com/office/drawing/2014/main" id="{8E873854-D442-4215-BAB9-D337B132FF6D}"/>
-                      </a:ext>
-                    </a:extLst>
-                  </p:cNvPr>
-                  <p:cNvSpPr/>
-                  <p:nvPr/>
-                </p:nvSpPr>
-                <p:spPr>
-                  <a:xfrm>
-                    <a:off x="5367772" y="1762471"/>
-                    <a:ext cx="1296146" cy="873028"/>
-                  </a:xfrm>
-                  <a:prstGeom prst="roundRect">
-                    <a:avLst/>
-                  </a:prstGeom>
-                  <a:noFill/>
-                  <a:ln>
-                    <a:prstDash val="sysDash"/>
-                  </a:ln>
-                </p:spPr>
-                <p:style>
-                  <a:lnRef idx="2">
-                    <a:schemeClr val="accent3"/>
-                  </a:lnRef>
-                  <a:fillRef idx="1">
-                    <a:schemeClr val="lt1"/>
-                  </a:fillRef>
-                  <a:effectRef idx="0">
-                    <a:schemeClr val="accent3"/>
-                  </a:effectRef>
-                  <a:fontRef idx="minor">
-                    <a:schemeClr val="dk1"/>
-                  </a:fontRef>
-                </p:style>
-                <p:txBody>
-                  <a:bodyPr rtlCol="0" anchor="ctr"/>
-                  <a:lstStyle/>
-                  <a:p>
-                    <a:pPr algn="ctr"/>
-                    <a:endParaRPr lang="en-IL"/>
-                  </a:p>
-                </p:txBody>
-              </p:sp>
-            </p:grpSp>
-            <p:cxnSp>
-              <p:nvCxnSpPr>
-                <p:cNvPr id="45" name="Straight Arrow Connector 44">
-                  <a:extLst>
-                    <a:ext uri="{FF2B5EF4-FFF2-40B4-BE49-F238E27FC236}">
-                      <a16:creationId xmlns:a16="http://schemas.microsoft.com/office/drawing/2014/main" id="{5A96B4D7-7423-09AB-8771-5D43E5C46328}"/>
-                    </a:ext>
-                  </a:extLst>
-                </p:cNvPr>
-                <p:cNvCxnSpPr>
-                  <a:cxnSpLocks/>
-                  <a:stCxn id="30" idx="1"/>
-                </p:cNvCxnSpPr>
-                <p:nvPr/>
-              </p:nvCxnSpPr>
-              <p:spPr>
-                <a:xfrm flipH="1">
-                  <a:off x="4499993" y="2198985"/>
-                  <a:ext cx="867779" cy="10925"/>
-                </a:xfrm>
-                <a:prstGeom prst="straightConnector1">
-                  <a:avLst/>
-                </a:prstGeom>
-                <a:ln>
-                  <a:tailEnd type="triangle"/>
-                </a:ln>
-              </p:spPr>
-              <p:style>
-                <a:lnRef idx="1">
-                  <a:schemeClr val="accent1"/>
-                </a:lnRef>
-                <a:fillRef idx="0">
-                  <a:schemeClr val="accent1"/>
-                </a:fillRef>
-                <a:effectRef idx="0">
-                  <a:schemeClr val="accent1"/>
-                </a:effectRef>
-                <a:fontRef idx="minor">
-                  <a:schemeClr val="tx1"/>
-                </a:fontRef>
-              </p:style>
-            </p:cxnSp>
-            <p:cxnSp>
-              <p:nvCxnSpPr>
-                <p:cNvPr id="49" name="Straight Arrow Connector 48">
-                  <a:extLst>
-                    <a:ext uri="{FF2B5EF4-FFF2-40B4-BE49-F238E27FC236}">
-                      <a16:creationId xmlns:a16="http://schemas.microsoft.com/office/drawing/2014/main" id="{1DA9941A-712E-621E-B32E-4023E2D3FB41}"/>
-                    </a:ext>
-                  </a:extLst>
-                </p:cNvPr>
-                <p:cNvCxnSpPr>
-                  <a:cxnSpLocks/>
-                  <a:stCxn id="10" idx="3"/>
-                </p:cNvCxnSpPr>
-                <p:nvPr/>
-              </p:nvCxnSpPr>
-              <p:spPr>
-                <a:xfrm flipV="1">
-                  <a:off x="4499993" y="2081336"/>
-                  <a:ext cx="857789" cy="11477"/>
-                </a:xfrm>
-                <a:prstGeom prst="straightConnector1">
-                  <a:avLst/>
-                </a:prstGeom>
-                <a:ln>
-                  <a:tailEnd type="triangle"/>
-                </a:ln>
-              </p:spPr>
-              <p:style>
-                <a:lnRef idx="1">
-                  <a:schemeClr val="accent1"/>
-                </a:lnRef>
-                <a:fillRef idx="0">
-                  <a:schemeClr val="accent1"/>
-                </a:fillRef>
-                <a:effectRef idx="0">
-                  <a:schemeClr val="accent1"/>
-                </a:effectRef>
-                <a:fontRef idx="minor">
-                  <a:schemeClr val="tx1"/>
-                </a:fontRef>
-              </p:style>
-            </p:cxnSp>
-          </p:grpSp>
-          <p:grpSp>
-            <p:nvGrpSpPr>
-              <p:cNvPr id="57" name="Group 56">
-                <a:extLst>
-                  <a:ext uri="{FF2B5EF4-FFF2-40B4-BE49-F238E27FC236}">
-                    <a16:creationId xmlns:a16="http://schemas.microsoft.com/office/drawing/2014/main" id="{78350F5D-88A5-50D1-766F-818AA74FE0FA}"/>
-                  </a:ext>
-                </a:extLst>
-              </p:cNvPr>
-              <p:cNvGrpSpPr/>
-              <p:nvPr/>
-            </p:nvGrpSpPr>
-            <p:grpSpPr>
-              <a:xfrm>
-                <a:off x="1331640" y="748596"/>
-                <a:ext cx="1008112" cy="1222990"/>
-                <a:chOff x="1331640" y="748596"/>
-                <a:chExt cx="1008112" cy="1222990"/>
-              </a:xfrm>
-            </p:grpSpPr>
-            <p:grpSp>
-              <p:nvGrpSpPr>
-                <p:cNvPr id="28" name="Group 27">
-                  <a:extLst>
-                    <a:ext uri="{FF2B5EF4-FFF2-40B4-BE49-F238E27FC236}">
-                      <a16:creationId xmlns:a16="http://schemas.microsoft.com/office/drawing/2014/main" id="{1AE6C173-CA7A-F889-AF38-1E0A7079C886}"/>
-                    </a:ext>
-                  </a:extLst>
-                </p:cNvPr>
-                <p:cNvGrpSpPr/>
-                <p:nvPr/>
-              </p:nvGrpSpPr>
-              <p:grpSpPr>
-                <a:xfrm>
-                  <a:off x="1331640" y="748596"/>
-                  <a:ext cx="1008112" cy="1008112"/>
-                  <a:chOff x="972003" y="1279509"/>
-                  <a:chExt cx="1008112" cy="1008112"/>
-                </a:xfrm>
-              </p:grpSpPr>
-              <p:pic>
-                <p:nvPicPr>
-                  <p:cNvPr id="4" name="Picture 3">
-                    <a:extLst>
-                      <a:ext uri="{FF2B5EF4-FFF2-40B4-BE49-F238E27FC236}">
-                        <a16:creationId xmlns:a16="http://schemas.microsoft.com/office/drawing/2014/main" id="{7BD8A50F-225A-B62F-BAF0-E93506353F58}"/>
-                      </a:ext>
-                    </a:extLst>
-                  </p:cNvPr>
-                  <p:cNvPicPr>
-                    <a:picLocks noChangeAspect="1"/>
-                  </p:cNvPicPr>
-                  <p:nvPr/>
-                </p:nvPicPr>
-                <p:blipFill>
-                  <a:blip r:embed="rId6"/>
-                  <a:stretch>
-                    <a:fillRect/>
-                  </a:stretch>
-                </p:blipFill>
-                <p:spPr>
-                  <a:xfrm>
-                    <a:off x="972003" y="1279509"/>
-                    <a:ext cx="1008112" cy="1008112"/>
-                  </a:xfrm>
-                  <a:prstGeom prst="rect">
-                    <a:avLst/>
-                  </a:prstGeom>
-                </p:spPr>
-              </p:pic>
-              <p:pic>
-                <p:nvPicPr>
-                  <p:cNvPr id="27" name="Picture 4" descr="Is Xianyu Quietly Giving up Flutter? - Alibaba Cloud Community">
-                    <a:extLst>
-                      <a:ext uri="{FF2B5EF4-FFF2-40B4-BE49-F238E27FC236}">
-                        <a16:creationId xmlns:a16="http://schemas.microsoft.com/office/drawing/2014/main" id="{65F0D40F-AD10-651D-1AAD-6D0275A15942}"/>
-                      </a:ext>
-                    </a:extLst>
-                  </p:cNvPr>
-                  <p:cNvPicPr>
-                    <a:picLocks noChangeAspect="1" noChangeArrowheads="1"/>
-                  </p:cNvPicPr>
-                  <p:nvPr/>
-                </p:nvPicPr>
-                <p:blipFill>
-                  <a:blip r:embed="rId7" cstate="print">
-                    <a:extLst>
-                      <a:ext uri="{28A0092B-C50C-407E-A947-70E740481C1C}">
-                        <a14:useLocalDpi xmlns:a14="http://schemas.microsoft.com/office/drawing/2010/main" val="0"/>
-                      </a:ext>
-                    </a:extLst>
-                  </a:blip>
-                  <a:srcRect/>
-                  <a:stretch>
-                    <a:fillRect/>
-                  </a:stretch>
-                </p:blipFill>
-                <p:spPr bwMode="auto">
-                  <a:xfrm>
-                    <a:off x="1260438" y="1681707"/>
-                    <a:ext cx="431242" cy="203716"/>
-                  </a:xfrm>
-                  <a:prstGeom prst="rect">
-                    <a:avLst/>
-                  </a:prstGeom>
-                  <a:noFill/>
-                  <a:extLst>
-                    <a:ext uri="{909E8E84-426E-40DD-AFC4-6F175D3DCCD1}">
-                      <a14:hiddenFill xmlns:a14="http://schemas.microsoft.com/office/drawing/2010/main">
-                        <a:solidFill>
-                          <a:srgbClr val="FFFFFF"/>
-                        </a:solidFill>
-                      </a14:hiddenFill>
-                    </a:ext>
-                  </a:extLst>
-                </p:spPr>
-              </p:pic>
-            </p:grpSp>
-            <p:sp>
-              <p:nvSpPr>
-                <p:cNvPr id="56" name="TextBox 55">
-                  <a:extLst>
-                    <a:ext uri="{FF2B5EF4-FFF2-40B4-BE49-F238E27FC236}">
-                      <a16:creationId xmlns:a16="http://schemas.microsoft.com/office/drawing/2014/main" id="{71525A07-888E-ED35-B1FE-BC94CDE36285}"/>
-                    </a:ext>
-                  </a:extLst>
-                </p:cNvPr>
-                <p:cNvSpPr txBox="1"/>
-                <p:nvPr/>
-              </p:nvSpPr>
-              <p:spPr>
-                <a:xfrm>
-                  <a:off x="1418269" y="1756142"/>
-                  <a:ext cx="905390" cy="215444"/>
-                </a:xfrm>
-                <a:prstGeom prst="rect">
-                  <a:avLst/>
-                </a:prstGeom>
-                <a:noFill/>
-              </p:spPr>
-              <p:txBody>
-                <a:bodyPr wrap="square">
-                  <a:spAutoFit/>
-                </a:bodyPr>
-                <a:lstStyle/>
-                <a:p>
-                  <a:pPr algn="ctr"/>
-                  <a:r>
-                    <a:rPr lang="en-US" sz="800" dirty="0">
-                      <a:latin typeface="Nunito Black" pitchFamily="2" charset="0"/>
-                    </a:rPr>
-                    <a:t>Requester</a:t>
-                  </a:r>
-                  <a:endParaRPr lang="en-IL" sz="800" dirty="0"/>
-                </a:p>
-              </p:txBody>
-            </p:sp>
-          </p:grpSp>
-          <p:grpSp>
-            <p:nvGrpSpPr>
-              <p:cNvPr id="59" name="Group 58">
-                <a:extLst>
-                  <a:ext uri="{FF2B5EF4-FFF2-40B4-BE49-F238E27FC236}">
-                    <a16:creationId xmlns:a16="http://schemas.microsoft.com/office/drawing/2014/main" id="{BA2D9EF3-78CB-8A6C-B64B-D7CA05CC3FAA}"/>
-                  </a:ext>
-                </a:extLst>
-              </p:cNvPr>
-              <p:cNvGrpSpPr/>
-              <p:nvPr/>
-            </p:nvGrpSpPr>
-            <p:grpSpPr>
-              <a:xfrm>
-                <a:off x="1329183" y="2571750"/>
-                <a:ext cx="1008112" cy="1223556"/>
-                <a:chOff x="1329555" y="2414048"/>
-                <a:chExt cx="1008112" cy="1223556"/>
-              </a:xfrm>
-            </p:grpSpPr>
-            <p:grpSp>
-              <p:nvGrpSpPr>
-                <p:cNvPr id="32" name="Group 31">
-                  <a:extLst>
-                    <a:ext uri="{FF2B5EF4-FFF2-40B4-BE49-F238E27FC236}">
-                      <a16:creationId xmlns:a16="http://schemas.microsoft.com/office/drawing/2014/main" id="{53B21CC2-E027-996E-A199-95DA1EB90633}"/>
-                    </a:ext>
-                  </a:extLst>
-                </p:cNvPr>
-                <p:cNvGrpSpPr/>
-                <p:nvPr/>
-              </p:nvGrpSpPr>
-              <p:grpSpPr>
-                <a:xfrm>
-                  <a:off x="1329555" y="2414048"/>
-                  <a:ext cx="1008112" cy="1008112"/>
-                  <a:chOff x="972003" y="1279509"/>
-                  <a:chExt cx="1008112" cy="1008112"/>
-                </a:xfrm>
-              </p:grpSpPr>
-              <p:pic>
-                <p:nvPicPr>
-                  <p:cNvPr id="33" name="Picture 32">
-                    <a:extLst>
-                      <a:ext uri="{FF2B5EF4-FFF2-40B4-BE49-F238E27FC236}">
-                        <a16:creationId xmlns:a16="http://schemas.microsoft.com/office/drawing/2014/main" id="{80D1180A-48FB-8B9D-2283-E9FF5BFFDA36}"/>
-                      </a:ext>
-                    </a:extLst>
-                  </p:cNvPr>
-                  <p:cNvPicPr>
-                    <a:picLocks noChangeAspect="1"/>
-                  </p:cNvPicPr>
-                  <p:nvPr/>
-                </p:nvPicPr>
-                <p:blipFill>
-                  <a:blip r:embed="rId6"/>
-                  <a:stretch>
-                    <a:fillRect/>
-                  </a:stretch>
-                </p:blipFill>
-                <p:spPr>
-                  <a:xfrm>
-                    <a:off x="972003" y="1279509"/>
-                    <a:ext cx="1008112" cy="1008112"/>
-                  </a:xfrm>
-                  <a:prstGeom prst="rect">
-                    <a:avLst/>
-                  </a:prstGeom>
-                </p:spPr>
-              </p:pic>
-              <p:pic>
-                <p:nvPicPr>
-                  <p:cNvPr id="34" name="Picture 4" descr="Is Xianyu Quietly Giving up Flutter? - Alibaba Cloud Community">
-                    <a:extLst>
-                      <a:ext uri="{FF2B5EF4-FFF2-40B4-BE49-F238E27FC236}">
-                        <a16:creationId xmlns:a16="http://schemas.microsoft.com/office/drawing/2014/main" id="{E876BAF4-63DB-E719-0C06-3E494F76B825}"/>
-                      </a:ext>
-                    </a:extLst>
-                  </p:cNvPr>
-                  <p:cNvPicPr>
-                    <a:picLocks noChangeAspect="1" noChangeArrowheads="1"/>
-                  </p:cNvPicPr>
-                  <p:nvPr/>
-                </p:nvPicPr>
-                <p:blipFill>
-                  <a:blip r:embed="rId7" cstate="print">
-                    <a:extLst>
-                      <a:ext uri="{28A0092B-C50C-407E-A947-70E740481C1C}">
-                        <a14:useLocalDpi xmlns:a14="http://schemas.microsoft.com/office/drawing/2010/main" val="0"/>
-                      </a:ext>
-                    </a:extLst>
-                  </a:blip>
-                  <a:srcRect/>
-                  <a:stretch>
-                    <a:fillRect/>
-                  </a:stretch>
-                </p:blipFill>
-                <p:spPr bwMode="auto">
-                  <a:xfrm>
-                    <a:off x="1260438" y="1681707"/>
-                    <a:ext cx="431242" cy="203716"/>
-                  </a:xfrm>
-                  <a:prstGeom prst="rect">
-                    <a:avLst/>
-                  </a:prstGeom>
-                  <a:noFill/>
-                  <a:extLst>
-                    <a:ext uri="{909E8E84-426E-40DD-AFC4-6F175D3DCCD1}">
-                      <a14:hiddenFill xmlns:a14="http://schemas.microsoft.com/office/drawing/2010/main">
-                        <a:solidFill>
-                          <a:srgbClr val="FFFFFF"/>
-                        </a:solidFill>
-                      </a14:hiddenFill>
-                    </a:ext>
-                  </a:extLst>
-                </p:spPr>
-              </p:pic>
-            </p:grpSp>
-            <p:sp>
-              <p:nvSpPr>
-                <p:cNvPr id="58" name="TextBox 57">
-                  <a:extLst>
-                    <a:ext uri="{FF2B5EF4-FFF2-40B4-BE49-F238E27FC236}">
-                      <a16:creationId xmlns:a16="http://schemas.microsoft.com/office/drawing/2014/main" id="{644100E5-DD51-D19E-E7B5-8265E06545F8}"/>
-                    </a:ext>
-                  </a:extLst>
-                </p:cNvPr>
-                <p:cNvSpPr txBox="1"/>
-                <p:nvPr/>
-              </p:nvSpPr>
-              <p:spPr>
-                <a:xfrm>
-                  <a:off x="1404716" y="3422160"/>
-                  <a:ext cx="905390" cy="215444"/>
-                </a:xfrm>
-                <a:prstGeom prst="rect">
-                  <a:avLst/>
-                </a:prstGeom>
-                <a:noFill/>
-              </p:spPr>
-              <p:txBody>
-                <a:bodyPr wrap="square">
-                  <a:spAutoFit/>
-                </a:bodyPr>
-                <a:lstStyle/>
-                <a:p>
-                  <a:pPr algn="ctr"/>
-                  <a:r>
-                    <a:rPr lang="en-US" sz="800" dirty="0">
-                      <a:latin typeface="Nunito Black" pitchFamily="2" charset="0"/>
-                    </a:rPr>
-                    <a:t>Supplier</a:t>
-                  </a:r>
-                  <a:endParaRPr lang="en-IL" sz="800" dirty="0"/>
-                </a:p>
-              </p:txBody>
-            </p:sp>
-          </p:grpSp>
-          <p:cxnSp>
-            <p:nvCxnSpPr>
-              <p:cNvPr id="60" name="Straight Arrow Connector 59">
-                <a:extLst>
-                  <a:ext uri="{FF2B5EF4-FFF2-40B4-BE49-F238E27FC236}">
-                    <a16:creationId xmlns:a16="http://schemas.microsoft.com/office/drawing/2014/main" id="{794A7994-1729-44C5-6FEE-9411C9D722E7}"/>
-                  </a:ext>
-                </a:extLst>
-              </p:cNvPr>
-              <p:cNvCxnSpPr>
-                <a:cxnSpLocks/>
-              </p:cNvCxnSpPr>
-              <p:nvPr/>
-            </p:nvCxnSpPr>
-            <p:spPr>
-              <a:xfrm flipV="1">
-                <a:off x="1758592" y="1954674"/>
-                <a:ext cx="0" cy="533916"/>
-              </a:xfrm>
-              <a:prstGeom prst="straightConnector1">
-                <a:avLst/>
-              </a:prstGeom>
-              <a:ln>
-                <a:tailEnd type="triangle"/>
-              </a:ln>
-            </p:spPr>
-            <p:style>
-              <a:lnRef idx="1">
-                <a:schemeClr val="accent1"/>
-              </a:lnRef>
-              <a:fillRef idx="0">
-                <a:schemeClr val="accent1"/>
-              </a:fillRef>
-              <a:effectRef idx="0">
-                <a:schemeClr val="accent1"/>
-              </a:effectRef>
-              <a:fontRef idx="minor">
-                <a:schemeClr val="tx1"/>
-              </a:fontRef>
-            </p:style>
-          </p:cxnSp>
-          <p:cxnSp>
-            <p:nvCxnSpPr>
-              <p:cNvPr id="1024" name="Straight Arrow Connector 1023">
-                <a:extLst>
-                  <a:ext uri="{FF2B5EF4-FFF2-40B4-BE49-F238E27FC236}">
-                    <a16:creationId xmlns:a16="http://schemas.microsoft.com/office/drawing/2014/main" id="{365AAFBB-FFA6-EB32-1B16-3335A0556FDB}"/>
-                  </a:ext>
-                </a:extLst>
-              </p:cNvPr>
-              <p:cNvCxnSpPr>
-                <a:cxnSpLocks/>
-              </p:cNvCxnSpPr>
-              <p:nvPr/>
-            </p:nvCxnSpPr>
-            <p:spPr>
-              <a:xfrm>
-                <a:off x="1890496" y="1989698"/>
-                <a:ext cx="0" cy="521258"/>
-              </a:xfrm>
-              <a:prstGeom prst="straightConnector1">
-                <a:avLst/>
-              </a:prstGeom>
-              <a:ln>
-                <a:tailEnd type="triangle"/>
-              </a:ln>
-            </p:spPr>
-            <p:style>
-              <a:lnRef idx="1">
-                <a:schemeClr val="accent1"/>
-              </a:lnRef>
-              <a:fillRef idx="0">
-                <a:schemeClr val="accent1"/>
-              </a:fillRef>
-              <a:effectRef idx="0">
-                <a:schemeClr val="accent1"/>
-              </a:effectRef>
-              <a:fontRef idx="minor">
-                <a:schemeClr val="tx1"/>
-              </a:fontRef>
-            </p:style>
-          </p:cxnSp>
-          <p:sp>
-            <p:nvSpPr>
-              <p:cNvPr id="1029" name="TextBox 1028">
-                <a:extLst>
-                  <a:ext uri="{FF2B5EF4-FFF2-40B4-BE49-F238E27FC236}">
-                    <a16:creationId xmlns:a16="http://schemas.microsoft.com/office/drawing/2014/main" id="{41F5D269-5115-B08C-9FA0-4DB27D2BBE22}"/>
-                  </a:ext>
-                </a:extLst>
-              </p:cNvPr>
-              <p:cNvSpPr txBox="1"/>
-              <p:nvPr/>
-            </p:nvSpPr>
-            <p:spPr>
-              <a:xfrm>
-                <a:off x="1323469" y="2157774"/>
-                <a:ext cx="521732" cy="215444"/>
-              </a:xfrm>
-              <a:prstGeom prst="rect">
-                <a:avLst/>
-              </a:prstGeom>
-              <a:noFill/>
-            </p:spPr>
-            <p:txBody>
-              <a:bodyPr wrap="square">
-                <a:spAutoFit/>
-              </a:bodyPr>
-              <a:lstStyle/>
-              <a:p>
-                <a:pPr algn="ctr"/>
-                <a:r>
-                  <a:rPr lang="en-US" sz="800" dirty="0">
-                    <a:latin typeface="Nunito Black" pitchFamily="2" charset="0"/>
-                  </a:rPr>
-                  <a:t>Chat</a:t>
-                </a:r>
-                <a:endParaRPr lang="en-IL" sz="800" dirty="0"/>
-              </a:p>
-            </p:txBody>
-          </p:sp>
-          <p:cxnSp>
-            <p:nvCxnSpPr>
-              <p:cNvPr id="36" name="Straight Arrow Connector 35">
-                <a:extLst>
-                  <a:ext uri="{FF2B5EF4-FFF2-40B4-BE49-F238E27FC236}">
-                    <a16:creationId xmlns:a16="http://schemas.microsoft.com/office/drawing/2014/main" id="{8732EB2E-BBBD-3EF8-4FA8-6168570EAB55}"/>
-                  </a:ext>
-                </a:extLst>
-              </p:cNvPr>
-              <p:cNvCxnSpPr>
-                <a:cxnSpLocks/>
-                <a:stCxn id="4" idx="3"/>
-              </p:cNvCxnSpPr>
-              <p:nvPr/>
-            </p:nvCxnSpPr>
-            <p:spPr>
-              <a:xfrm>
-                <a:off x="2339752" y="1252652"/>
-                <a:ext cx="1512168" cy="527800"/>
-              </a:xfrm>
-              <a:prstGeom prst="straightConnector1">
-                <a:avLst/>
-              </a:prstGeom>
-              <a:ln>
-                <a:tailEnd type="triangle"/>
-              </a:ln>
-            </p:spPr>
-            <p:style>
-              <a:lnRef idx="1">
-                <a:schemeClr val="accent1"/>
-              </a:lnRef>
-              <a:fillRef idx="0">
-                <a:schemeClr val="accent1"/>
-              </a:fillRef>
-              <a:effectRef idx="0">
-                <a:schemeClr val="accent1"/>
-              </a:effectRef>
-              <a:fontRef idx="minor">
-                <a:schemeClr val="tx1"/>
-              </a:fontRef>
-            </p:style>
-          </p:cxnSp>
-        </p:grpSp>
-        <p:pic>
-          <p:nvPicPr>
-            <p:cNvPr id="1033" name="Picture 8" descr="100,000 Users on Firebase Firestore | by Anthony Dito | Medium">
-              <a:extLst>
-                <a:ext uri="{FF2B5EF4-FFF2-40B4-BE49-F238E27FC236}">
-                  <a16:creationId xmlns:a16="http://schemas.microsoft.com/office/drawing/2014/main" id="{BCD3F4D8-FC67-3A90-1D09-71F8B216DC55}"/>
-                </a:ext>
-              </a:extLst>
-            </p:cNvPr>
-            <p:cNvPicPr>
-              <a:picLocks noChangeAspect="1" noChangeArrowheads="1"/>
-            </p:cNvPicPr>
-            <p:nvPr/>
-          </p:nvPicPr>
-          <p:blipFill>
-            <a:blip r:embed="rId8" cstate="print">
-              <a:extLst>
-                <a:ext uri="{28A0092B-C50C-407E-A947-70E740481C1C}">
-                  <a14:useLocalDpi xmlns:a14="http://schemas.microsoft.com/office/drawing/2010/main" val="0"/>
-                </a:ext>
-              </a:extLst>
-            </a:blip>
-            <a:srcRect/>
-            <a:stretch>
-              <a:fillRect/>
-            </a:stretch>
-          </p:blipFill>
-          <p:spPr bwMode="auto">
-            <a:xfrm>
-              <a:off x="4719163" y="2842043"/>
-              <a:ext cx="1241228" cy="1230594"/>
-            </a:xfrm>
-            <a:prstGeom prst="rect">
-              <a:avLst/>
-            </a:prstGeom>
-            <a:noFill/>
-            <a:extLst>
-              <a:ext uri="{909E8E84-426E-40DD-AFC4-6F175D3DCCD1}">
-                <a14:hiddenFill xmlns:a14="http://schemas.microsoft.com/office/drawing/2010/main">
-                  <a:solidFill>
-                    <a:srgbClr val="FFFFFF"/>
-                  </a:solidFill>
-                </a14:hiddenFill>
-              </a:ext>
-            </a:extLst>
-          </p:spPr>
-        </p:pic>
-        <p:cxnSp>
-          <p:nvCxnSpPr>
-            <p:cNvPr id="1035" name="Straight Arrow Connector 1034">
-              <a:extLst>
-                <a:ext uri="{FF2B5EF4-FFF2-40B4-BE49-F238E27FC236}">
-                  <a16:creationId xmlns:a16="http://schemas.microsoft.com/office/drawing/2014/main" id="{6EE2619F-D6CA-C342-D4F7-644B56D396C7}"/>
-                </a:ext>
-              </a:extLst>
-            </p:cNvPr>
-            <p:cNvCxnSpPr>
-              <a:cxnSpLocks/>
-              <a:endCxn id="10" idx="2"/>
-            </p:cNvCxnSpPr>
-            <p:nvPr/>
-          </p:nvCxnSpPr>
-          <p:spPr>
-            <a:xfrm flipH="1" flipV="1">
-              <a:off x="4578330" y="2943592"/>
-              <a:ext cx="557043" cy="411325"/>
-            </a:xfrm>
-            <a:prstGeom prst="straightConnector1">
-              <a:avLst/>
-            </a:prstGeom>
-            <a:ln>
-              <a:tailEnd type="triangle"/>
-            </a:ln>
-          </p:spPr>
-          <p:style>
-            <a:lnRef idx="1">
-              <a:schemeClr val="accent1"/>
-            </a:lnRef>
-            <a:fillRef idx="0">
-              <a:schemeClr val="accent1"/>
-            </a:fillRef>
-            <a:effectRef idx="0">
-              <a:schemeClr val="accent1"/>
-            </a:effectRef>
-            <a:fontRef idx="minor">
-              <a:schemeClr val="tx1"/>
-            </a:fontRef>
-          </p:style>
-        </p:cxnSp>
-        <p:cxnSp>
-          <p:nvCxnSpPr>
-            <p:cNvPr id="1038" name="Straight Arrow Connector 1037">
-              <a:extLst>
-                <a:ext uri="{FF2B5EF4-FFF2-40B4-BE49-F238E27FC236}">
-                  <a16:creationId xmlns:a16="http://schemas.microsoft.com/office/drawing/2014/main" id="{DF481535-11A1-6C29-9628-CE23AAD7CF12}"/>
-                </a:ext>
-              </a:extLst>
-            </p:cNvPr>
-            <p:cNvCxnSpPr>
-              <a:cxnSpLocks/>
-            </p:cNvCxnSpPr>
-            <p:nvPr/>
-          </p:nvCxnSpPr>
-          <p:spPr>
-            <a:xfrm>
-              <a:off x="4746724" y="2924894"/>
-              <a:ext cx="458816" cy="339440"/>
-            </a:xfrm>
-            <a:prstGeom prst="straightConnector1">
-              <a:avLst/>
-            </a:prstGeom>
-            <a:ln>
-              <a:tailEnd type="triangle"/>
-            </a:ln>
-          </p:spPr>
-          <p:style>
-            <a:lnRef idx="1">
-              <a:schemeClr val="accent1"/>
-            </a:lnRef>
-            <a:fillRef idx="0">
-              <a:schemeClr val="accent1"/>
-            </a:fillRef>
-            <a:effectRef idx="0">
-              <a:schemeClr val="accent1"/>
-            </a:effectRef>
-            <a:fontRef idx="minor">
-              <a:schemeClr val="tx1"/>
-            </a:fontRef>
-          </p:style>
-        </p:cxnSp>
-      </p:grpSp>
       <p:sp>
         <p:nvSpPr>
           <p:cNvPr id="3" name="TextBox 2">
@@ -20746,6 +20143,1253 @@
           </a:p>
         </p:txBody>
       </p:sp>
+      <p:grpSp>
+        <p:nvGrpSpPr>
+          <p:cNvPr id="6" name="Group 5">
+            <a:extLst>
+              <a:ext uri="{FF2B5EF4-FFF2-40B4-BE49-F238E27FC236}">
+                <a16:creationId xmlns:a16="http://schemas.microsoft.com/office/drawing/2014/main" id="{76DBA94E-980D-EA35-3B00-2EC157673EAA}"/>
+              </a:ext>
+            </a:extLst>
+          </p:cNvPr>
+          <p:cNvGrpSpPr/>
+          <p:nvPr/>
+        </p:nvGrpSpPr>
+        <p:grpSpPr>
+          <a:xfrm>
+            <a:off x="1763688" y="1203598"/>
+            <a:ext cx="5552787" cy="3046710"/>
+            <a:chOff x="1763688" y="1203598"/>
+            <a:chExt cx="5552787" cy="3046710"/>
+          </a:xfrm>
+        </p:grpSpPr>
+        <p:grpSp>
+          <p:nvGrpSpPr>
+            <p:cNvPr id="1043" name="Group 1042">
+              <a:extLst>
+                <a:ext uri="{FF2B5EF4-FFF2-40B4-BE49-F238E27FC236}">
+                  <a16:creationId xmlns:a16="http://schemas.microsoft.com/office/drawing/2014/main" id="{6EE225B9-41C9-79DD-03C3-C32FB82D974D}"/>
+                </a:ext>
+              </a:extLst>
+            </p:cNvPr>
+            <p:cNvGrpSpPr/>
+            <p:nvPr/>
+          </p:nvGrpSpPr>
+          <p:grpSpPr>
+            <a:xfrm>
+              <a:off x="1763688" y="1203598"/>
+              <a:ext cx="5552787" cy="3046710"/>
+              <a:chOff x="1763688" y="1203598"/>
+              <a:chExt cx="5552787" cy="3046710"/>
+            </a:xfrm>
+          </p:grpSpPr>
+          <p:grpSp>
+            <p:nvGrpSpPr>
+              <p:cNvPr id="1031" name="Group 1030">
+                <a:extLst>
+                  <a:ext uri="{FF2B5EF4-FFF2-40B4-BE49-F238E27FC236}">
+                    <a16:creationId xmlns:a16="http://schemas.microsoft.com/office/drawing/2014/main" id="{FD8DED42-2BB2-5E1D-B2D3-FF0C2792AEE5}"/>
+                  </a:ext>
+                </a:extLst>
+              </p:cNvPr>
+              <p:cNvGrpSpPr/>
+              <p:nvPr/>
+            </p:nvGrpSpPr>
+            <p:grpSpPr>
+              <a:xfrm>
+                <a:off x="1763688" y="1203598"/>
+                <a:ext cx="5552787" cy="3046710"/>
+                <a:chOff x="1323469" y="748596"/>
+                <a:chExt cx="5552787" cy="3046710"/>
+              </a:xfrm>
+            </p:grpSpPr>
+            <p:cxnSp>
+              <p:nvCxnSpPr>
+                <p:cNvPr id="37" name="Straight Arrow Connector 36">
+                  <a:extLst>
+                    <a:ext uri="{FF2B5EF4-FFF2-40B4-BE49-F238E27FC236}">
+                      <a16:creationId xmlns:a16="http://schemas.microsoft.com/office/drawing/2014/main" id="{6B5826AE-08A1-8CB3-6A7B-6B58F7D74596}"/>
+                    </a:ext>
+                  </a:extLst>
+                </p:cNvPr>
+                <p:cNvCxnSpPr>
+                  <a:cxnSpLocks/>
+                </p:cNvCxnSpPr>
+                <p:nvPr/>
+              </p:nvCxnSpPr>
+              <p:spPr>
+                <a:xfrm flipH="1">
+                  <a:off x="2283602" y="2476612"/>
+                  <a:ext cx="1553284" cy="605762"/>
+                </a:xfrm>
+                <a:prstGeom prst="straightConnector1">
+                  <a:avLst/>
+                </a:prstGeom>
+                <a:ln>
+                  <a:tailEnd type="triangle"/>
+                </a:ln>
+              </p:spPr>
+              <p:style>
+                <a:lnRef idx="1">
+                  <a:schemeClr val="accent1"/>
+                </a:lnRef>
+                <a:fillRef idx="0">
+                  <a:schemeClr val="accent1"/>
+                </a:fillRef>
+                <a:effectRef idx="0">
+                  <a:schemeClr val="accent1"/>
+                </a:effectRef>
+                <a:fontRef idx="minor">
+                  <a:schemeClr val="tx1"/>
+                </a:fontRef>
+              </p:style>
+            </p:cxnSp>
+            <p:sp>
+              <p:nvSpPr>
+                <p:cNvPr id="43" name="TextBox 42">
+                  <a:extLst>
+                    <a:ext uri="{FF2B5EF4-FFF2-40B4-BE49-F238E27FC236}">
+                      <a16:creationId xmlns:a16="http://schemas.microsoft.com/office/drawing/2014/main" id="{76C24A48-199E-5031-ABEC-D792AAE41682}"/>
+                    </a:ext>
+                  </a:extLst>
+                </p:cNvPr>
+                <p:cNvSpPr txBox="1"/>
+                <p:nvPr/>
+              </p:nvSpPr>
+              <p:spPr>
+                <a:xfrm rot="20285844">
+                  <a:off x="2617323" y="2725377"/>
+                  <a:ext cx="1222741" cy="338554"/>
+                </a:xfrm>
+                <a:prstGeom prst="rect">
+                  <a:avLst/>
+                </a:prstGeom>
+                <a:noFill/>
+              </p:spPr>
+              <p:txBody>
+                <a:bodyPr wrap="square">
+                  <a:spAutoFit/>
+                </a:bodyPr>
+                <a:lstStyle/>
+                <a:p>
+                  <a:pPr algn="ctr"/>
+                  <a:r>
+                    <a:rPr lang="en-US" sz="800" dirty="0">
+                      <a:latin typeface="Nunito Black" pitchFamily="2" charset="0"/>
+                    </a:rPr>
+                    <a:t>Send recommended services</a:t>
+                  </a:r>
+                  <a:endParaRPr lang="en-IL" sz="800" dirty="0"/>
+                </a:p>
+              </p:txBody>
+            </p:sp>
+            <p:sp>
+              <p:nvSpPr>
+                <p:cNvPr id="44" name="TextBox 43">
+                  <a:extLst>
+                    <a:ext uri="{FF2B5EF4-FFF2-40B4-BE49-F238E27FC236}">
+                      <a16:creationId xmlns:a16="http://schemas.microsoft.com/office/drawing/2014/main" id="{C1B73FD3-ECCF-0D7F-0194-EDB2627BD72C}"/>
+                    </a:ext>
+                  </a:extLst>
+                </p:cNvPr>
+                <p:cNvSpPr txBox="1"/>
+                <p:nvPr/>
+              </p:nvSpPr>
+              <p:spPr>
+                <a:xfrm rot="1210020">
+                  <a:off x="2484700" y="1313267"/>
+                  <a:ext cx="1296146" cy="215444"/>
+                </a:xfrm>
+                <a:prstGeom prst="rect">
+                  <a:avLst/>
+                </a:prstGeom>
+                <a:noFill/>
+              </p:spPr>
+              <p:txBody>
+                <a:bodyPr wrap="square">
+                  <a:spAutoFit/>
+                </a:bodyPr>
+                <a:lstStyle/>
+                <a:p>
+                  <a:pPr algn="ctr"/>
+                  <a:r>
+                    <a:rPr lang="en-US" sz="800" dirty="0">
+                      <a:latin typeface="Nunito Black" pitchFamily="2" charset="0"/>
+                    </a:rPr>
+                    <a:t>Create new request</a:t>
+                  </a:r>
+                  <a:endParaRPr lang="en-IL" sz="800" dirty="0"/>
+                </a:p>
+              </p:txBody>
+            </p:sp>
+            <p:grpSp>
+              <p:nvGrpSpPr>
+                <p:cNvPr id="55" name="Group 54">
+                  <a:extLst>
+                    <a:ext uri="{FF2B5EF4-FFF2-40B4-BE49-F238E27FC236}">
+                      <a16:creationId xmlns:a16="http://schemas.microsoft.com/office/drawing/2014/main" id="{5DABF1CC-4EF6-E1D5-3B6E-85EA34F369F5}"/>
+                    </a:ext>
+                  </a:extLst>
+                </p:cNvPr>
+                <p:cNvGrpSpPr/>
+                <p:nvPr/>
+              </p:nvGrpSpPr>
+              <p:grpSpPr>
+                <a:xfrm>
+                  <a:off x="3776229" y="1312736"/>
+                  <a:ext cx="3100027" cy="2172164"/>
+                  <a:chOff x="3776229" y="1312736"/>
+                  <a:chExt cx="3100027" cy="2172164"/>
+                </a:xfrm>
+              </p:grpSpPr>
+              <p:sp>
+                <p:nvSpPr>
+                  <p:cNvPr id="29" name="Rectangle: Rounded Corners 28">
+                    <a:extLst>
+                      <a:ext uri="{FF2B5EF4-FFF2-40B4-BE49-F238E27FC236}">
+                        <a16:creationId xmlns:a16="http://schemas.microsoft.com/office/drawing/2014/main" id="{F88351A5-53C8-DC9F-2998-9BD6A882E894}"/>
+                      </a:ext>
+                    </a:extLst>
+                  </p:cNvPr>
+                  <p:cNvSpPr/>
+                  <p:nvPr/>
+                </p:nvSpPr>
+                <p:spPr>
+                  <a:xfrm>
+                    <a:off x="4067944" y="1312736"/>
+                    <a:ext cx="2808312" cy="2172164"/>
+                  </a:xfrm>
+                  <a:prstGeom prst="roundRect">
+                    <a:avLst/>
+                  </a:prstGeom>
+                  <a:noFill/>
+                  <a:ln>
+                    <a:prstDash val="sysDash"/>
+                  </a:ln>
+                </p:spPr>
+                <p:style>
+                  <a:lnRef idx="2">
+                    <a:schemeClr val="accent3"/>
+                  </a:lnRef>
+                  <a:fillRef idx="1">
+                    <a:schemeClr val="lt1"/>
+                  </a:fillRef>
+                  <a:effectRef idx="0">
+                    <a:schemeClr val="accent3"/>
+                  </a:effectRef>
+                  <a:fontRef idx="minor">
+                    <a:schemeClr val="dk1"/>
+                  </a:fontRef>
+                </p:style>
+                <p:txBody>
+                  <a:bodyPr rtlCol="0" anchor="ctr"/>
+                  <a:lstStyle/>
+                  <a:p>
+                    <a:pPr algn="ctr"/>
+                    <a:endParaRPr lang="en-IL"/>
+                  </a:p>
+                </p:txBody>
+              </p:sp>
+              <p:pic>
+                <p:nvPicPr>
+                  <p:cNvPr id="10" name="Picture 6" descr="How to build a real-time chatroom with Firebase and React (Hooks)">
+                    <a:extLst>
+                      <a:ext uri="{FF2B5EF4-FFF2-40B4-BE49-F238E27FC236}">
+                        <a16:creationId xmlns:a16="http://schemas.microsoft.com/office/drawing/2014/main" id="{477FB45D-239A-142A-03D1-E2C8EB09F175}"/>
+                      </a:ext>
+                    </a:extLst>
+                  </p:cNvPr>
+                  <p:cNvPicPr>
+                    <a:picLocks noChangeAspect="1" noChangeArrowheads="1"/>
+                  </p:cNvPicPr>
+                  <p:nvPr/>
+                </p:nvPicPr>
+                <p:blipFill rotWithShape="1">
+                  <a:blip r:embed="rId3" cstate="print">
+                    <a:extLst>
+                      <a:ext uri="{28A0092B-C50C-407E-A947-70E740481C1C}">
+                        <a14:useLocalDpi xmlns:a14="http://schemas.microsoft.com/office/drawing/2010/main" val="0"/>
+                      </a:ext>
+                    </a:extLst>
+                  </a:blip>
+                  <a:srcRect l="22466" t="8406" r="19547" b="7034"/>
+                  <a:stretch/>
+                </p:blipFill>
+                <p:spPr bwMode="auto">
+                  <a:xfrm>
+                    <a:off x="3776229" y="1697036"/>
+                    <a:ext cx="723764" cy="791554"/>
+                  </a:xfrm>
+                  <a:prstGeom prst="rect">
+                    <a:avLst/>
+                  </a:prstGeom>
+                  <a:noFill/>
+                  <a:extLst>
+                    <a:ext uri="{909E8E84-426E-40DD-AFC4-6F175D3DCCD1}">
+                      <a14:hiddenFill xmlns:a14="http://schemas.microsoft.com/office/drawing/2010/main">
+                        <a:solidFill>
+                          <a:srgbClr val="FFFFFF"/>
+                        </a:solidFill>
+                      </a14:hiddenFill>
+                    </a:ext>
+                  </a:extLst>
+                </p:spPr>
+              </p:pic>
+              <p:pic>
+                <p:nvPicPr>
+                  <p:cNvPr id="24" name="Picture 23">
+                    <a:extLst>
+                      <a:ext uri="{FF2B5EF4-FFF2-40B4-BE49-F238E27FC236}">
+                        <a16:creationId xmlns:a16="http://schemas.microsoft.com/office/drawing/2014/main" id="{7EE7B87C-7A1E-48B5-440A-2C461B468598}"/>
+                      </a:ext>
+                    </a:extLst>
+                  </p:cNvPr>
+                  <p:cNvPicPr>
+                    <a:picLocks noChangeAspect="1"/>
+                  </p:cNvPicPr>
+                  <p:nvPr/>
+                </p:nvPicPr>
+                <p:blipFill>
+                  <a:blip r:embed="rId4"/>
+                  <a:stretch>
+                    <a:fillRect/>
+                  </a:stretch>
+                </p:blipFill>
+                <p:spPr>
+                  <a:xfrm>
+                    <a:off x="4788817" y="1398077"/>
+                    <a:ext cx="1296146" cy="289344"/>
+                  </a:xfrm>
+                  <a:prstGeom prst="rect">
+                    <a:avLst/>
+                  </a:prstGeom>
+                </p:spPr>
+              </p:pic>
+              <p:grpSp>
+                <p:nvGrpSpPr>
+                  <p:cNvPr id="31" name="Group 30">
+                    <a:extLst>
+                      <a:ext uri="{FF2B5EF4-FFF2-40B4-BE49-F238E27FC236}">
+                        <a16:creationId xmlns:a16="http://schemas.microsoft.com/office/drawing/2014/main" id="{437601E7-0B1B-1F5B-4312-B5CF3B9E72AF}"/>
+                      </a:ext>
+                    </a:extLst>
+                  </p:cNvPr>
+                  <p:cNvGrpSpPr/>
+                  <p:nvPr/>
+                </p:nvGrpSpPr>
+                <p:grpSpPr>
+                  <a:xfrm>
+                    <a:off x="5367772" y="1762471"/>
+                    <a:ext cx="1340535" cy="876698"/>
+                    <a:chOff x="5367772" y="1762471"/>
+                    <a:chExt cx="1340535" cy="876698"/>
+                  </a:xfrm>
+                </p:grpSpPr>
+                <p:pic>
+                  <p:nvPicPr>
+                    <p:cNvPr id="22" name="Picture 21">
+                      <a:extLst>
+                        <a:ext uri="{FF2B5EF4-FFF2-40B4-BE49-F238E27FC236}">
+                          <a16:creationId xmlns:a16="http://schemas.microsoft.com/office/drawing/2014/main" id="{F1733EBE-37E3-5AE6-DF58-597E0821F8A8}"/>
+                        </a:ext>
+                      </a:extLst>
+                    </p:cNvPr>
+                    <p:cNvPicPr>
+                      <a:picLocks noChangeAspect="1"/>
+                    </p:cNvPicPr>
+                    <p:nvPr/>
+                  </p:nvPicPr>
+                  <p:blipFill rotWithShape="1">
+                    <a:blip r:embed="rId5"/>
+                    <a:srcRect/>
+                    <a:stretch/>
+                  </p:blipFill>
+                  <p:spPr>
+                    <a:xfrm>
+                      <a:off x="5500437" y="1840959"/>
+                      <a:ext cx="1020826" cy="523884"/>
+                    </a:xfrm>
+                    <a:prstGeom prst="rect">
+                      <a:avLst/>
+                    </a:prstGeom>
+                  </p:spPr>
+                </p:pic>
+                <p:sp>
+                  <p:nvSpPr>
+                    <p:cNvPr id="26" name="TextBox 25">
+                      <a:extLst>
+                        <a:ext uri="{FF2B5EF4-FFF2-40B4-BE49-F238E27FC236}">
+                          <a16:creationId xmlns:a16="http://schemas.microsoft.com/office/drawing/2014/main" id="{7E2DC993-91D2-EDEA-21AB-CA2E30A9737A}"/>
+                        </a:ext>
+                      </a:extLst>
+                    </p:cNvPr>
+                    <p:cNvSpPr txBox="1"/>
+                    <p:nvPr/>
+                  </p:nvSpPr>
+                  <p:spPr>
+                    <a:xfrm>
+                      <a:off x="5412161" y="2300615"/>
+                      <a:ext cx="1296146" cy="338554"/>
+                    </a:xfrm>
+                    <a:prstGeom prst="rect">
+                      <a:avLst/>
+                    </a:prstGeom>
+                    <a:noFill/>
+                  </p:spPr>
+                  <p:txBody>
+                    <a:bodyPr wrap="square">
+                      <a:spAutoFit/>
+                    </a:bodyPr>
+                    <a:lstStyle/>
+                    <a:p>
+                      <a:pPr algn="ctr"/>
+                      <a:r>
+                        <a:rPr lang="en-US" sz="800" dirty="0">
+                          <a:latin typeface="Nunito Black" pitchFamily="2" charset="0"/>
+                        </a:rPr>
+                        <a:t>Recommendation</a:t>
+                      </a:r>
+                      <a:br>
+                        <a:rPr lang="en-US" sz="800" dirty="0">
+                          <a:latin typeface="Nunito Black" pitchFamily="2" charset="0"/>
+                        </a:rPr>
+                      </a:br>
+                      <a:r>
+                        <a:rPr lang="en-US" sz="800" dirty="0">
+                          <a:latin typeface="Nunito Black" pitchFamily="2" charset="0"/>
+                        </a:rPr>
+                        <a:t>system</a:t>
+                      </a:r>
+                      <a:endParaRPr lang="en-IL" sz="800" dirty="0"/>
+                    </a:p>
+                  </p:txBody>
+                </p:sp>
+                <p:sp>
+                  <p:nvSpPr>
+                    <p:cNvPr id="30" name="Rectangle: Rounded Corners 29">
+                      <a:extLst>
+                        <a:ext uri="{FF2B5EF4-FFF2-40B4-BE49-F238E27FC236}">
+                          <a16:creationId xmlns:a16="http://schemas.microsoft.com/office/drawing/2014/main" id="{8E873854-D442-4215-BAB9-D337B132FF6D}"/>
+                        </a:ext>
+                      </a:extLst>
+                    </p:cNvPr>
+                    <p:cNvSpPr/>
+                    <p:nvPr/>
+                  </p:nvSpPr>
+                  <p:spPr>
+                    <a:xfrm>
+                      <a:off x="5367772" y="1762471"/>
+                      <a:ext cx="1296146" cy="873028"/>
+                    </a:xfrm>
+                    <a:prstGeom prst="roundRect">
+                      <a:avLst/>
+                    </a:prstGeom>
+                    <a:noFill/>
+                    <a:ln>
+                      <a:prstDash val="sysDash"/>
+                    </a:ln>
+                  </p:spPr>
+                  <p:style>
+                    <a:lnRef idx="2">
+                      <a:schemeClr val="accent3"/>
+                    </a:lnRef>
+                    <a:fillRef idx="1">
+                      <a:schemeClr val="lt1"/>
+                    </a:fillRef>
+                    <a:effectRef idx="0">
+                      <a:schemeClr val="accent3"/>
+                    </a:effectRef>
+                    <a:fontRef idx="minor">
+                      <a:schemeClr val="dk1"/>
+                    </a:fontRef>
+                  </p:style>
+                  <p:txBody>
+                    <a:bodyPr rtlCol="0" anchor="ctr"/>
+                    <a:lstStyle/>
+                    <a:p>
+                      <a:pPr algn="ctr"/>
+                      <a:endParaRPr lang="en-IL"/>
+                    </a:p>
+                  </p:txBody>
+                </p:sp>
+              </p:grpSp>
+              <p:cxnSp>
+                <p:nvCxnSpPr>
+                  <p:cNvPr id="45" name="Straight Arrow Connector 44">
+                    <a:extLst>
+                      <a:ext uri="{FF2B5EF4-FFF2-40B4-BE49-F238E27FC236}">
+                        <a16:creationId xmlns:a16="http://schemas.microsoft.com/office/drawing/2014/main" id="{5A96B4D7-7423-09AB-8771-5D43E5C46328}"/>
+                      </a:ext>
+                    </a:extLst>
+                  </p:cNvPr>
+                  <p:cNvCxnSpPr>
+                    <a:cxnSpLocks/>
+                    <a:stCxn id="30" idx="1"/>
+                  </p:cNvCxnSpPr>
+                  <p:nvPr/>
+                </p:nvCxnSpPr>
+                <p:spPr>
+                  <a:xfrm flipH="1">
+                    <a:off x="4499993" y="2198985"/>
+                    <a:ext cx="867779" cy="10925"/>
+                  </a:xfrm>
+                  <a:prstGeom prst="straightConnector1">
+                    <a:avLst/>
+                  </a:prstGeom>
+                  <a:ln>
+                    <a:tailEnd type="triangle"/>
+                  </a:ln>
+                </p:spPr>
+                <p:style>
+                  <a:lnRef idx="1">
+                    <a:schemeClr val="accent1"/>
+                  </a:lnRef>
+                  <a:fillRef idx="0">
+                    <a:schemeClr val="accent1"/>
+                  </a:fillRef>
+                  <a:effectRef idx="0">
+                    <a:schemeClr val="accent1"/>
+                  </a:effectRef>
+                  <a:fontRef idx="minor">
+                    <a:schemeClr val="tx1"/>
+                  </a:fontRef>
+                </p:style>
+              </p:cxnSp>
+              <p:cxnSp>
+                <p:nvCxnSpPr>
+                  <p:cNvPr id="49" name="Straight Arrow Connector 48">
+                    <a:extLst>
+                      <a:ext uri="{FF2B5EF4-FFF2-40B4-BE49-F238E27FC236}">
+                        <a16:creationId xmlns:a16="http://schemas.microsoft.com/office/drawing/2014/main" id="{1DA9941A-712E-621E-B32E-4023E2D3FB41}"/>
+                      </a:ext>
+                    </a:extLst>
+                  </p:cNvPr>
+                  <p:cNvCxnSpPr>
+                    <a:cxnSpLocks/>
+                    <a:stCxn id="10" idx="3"/>
+                  </p:cNvCxnSpPr>
+                  <p:nvPr/>
+                </p:nvCxnSpPr>
+                <p:spPr>
+                  <a:xfrm flipV="1">
+                    <a:off x="4499993" y="2081336"/>
+                    <a:ext cx="857789" cy="11477"/>
+                  </a:xfrm>
+                  <a:prstGeom prst="straightConnector1">
+                    <a:avLst/>
+                  </a:prstGeom>
+                  <a:ln>
+                    <a:tailEnd type="triangle"/>
+                  </a:ln>
+                </p:spPr>
+                <p:style>
+                  <a:lnRef idx="1">
+                    <a:schemeClr val="accent1"/>
+                  </a:lnRef>
+                  <a:fillRef idx="0">
+                    <a:schemeClr val="accent1"/>
+                  </a:fillRef>
+                  <a:effectRef idx="0">
+                    <a:schemeClr val="accent1"/>
+                  </a:effectRef>
+                  <a:fontRef idx="minor">
+                    <a:schemeClr val="tx1"/>
+                  </a:fontRef>
+                </p:style>
+              </p:cxnSp>
+            </p:grpSp>
+            <p:grpSp>
+              <p:nvGrpSpPr>
+                <p:cNvPr id="57" name="Group 56">
+                  <a:extLst>
+                    <a:ext uri="{FF2B5EF4-FFF2-40B4-BE49-F238E27FC236}">
+                      <a16:creationId xmlns:a16="http://schemas.microsoft.com/office/drawing/2014/main" id="{78350F5D-88A5-50D1-766F-818AA74FE0FA}"/>
+                    </a:ext>
+                  </a:extLst>
+                </p:cNvPr>
+                <p:cNvGrpSpPr/>
+                <p:nvPr/>
+              </p:nvGrpSpPr>
+              <p:grpSpPr>
+                <a:xfrm>
+                  <a:off x="1331640" y="748596"/>
+                  <a:ext cx="1008112" cy="1222990"/>
+                  <a:chOff x="1331640" y="748596"/>
+                  <a:chExt cx="1008112" cy="1222990"/>
+                </a:xfrm>
+              </p:grpSpPr>
+              <p:grpSp>
+                <p:nvGrpSpPr>
+                  <p:cNvPr id="28" name="Group 27">
+                    <a:extLst>
+                      <a:ext uri="{FF2B5EF4-FFF2-40B4-BE49-F238E27FC236}">
+                        <a16:creationId xmlns:a16="http://schemas.microsoft.com/office/drawing/2014/main" id="{1AE6C173-CA7A-F889-AF38-1E0A7079C886}"/>
+                      </a:ext>
+                    </a:extLst>
+                  </p:cNvPr>
+                  <p:cNvGrpSpPr/>
+                  <p:nvPr/>
+                </p:nvGrpSpPr>
+                <p:grpSpPr>
+                  <a:xfrm>
+                    <a:off x="1331640" y="748596"/>
+                    <a:ext cx="1008112" cy="1008112"/>
+                    <a:chOff x="972003" y="1279509"/>
+                    <a:chExt cx="1008112" cy="1008112"/>
+                  </a:xfrm>
+                </p:grpSpPr>
+                <p:pic>
+                  <p:nvPicPr>
+                    <p:cNvPr id="4" name="Picture 3">
+                      <a:extLst>
+                        <a:ext uri="{FF2B5EF4-FFF2-40B4-BE49-F238E27FC236}">
+                          <a16:creationId xmlns:a16="http://schemas.microsoft.com/office/drawing/2014/main" id="{7BD8A50F-225A-B62F-BAF0-E93506353F58}"/>
+                        </a:ext>
+                      </a:extLst>
+                    </p:cNvPr>
+                    <p:cNvPicPr>
+                      <a:picLocks noChangeAspect="1"/>
+                    </p:cNvPicPr>
+                    <p:nvPr/>
+                  </p:nvPicPr>
+                  <p:blipFill>
+                    <a:blip r:embed="rId6"/>
+                    <a:stretch>
+                      <a:fillRect/>
+                    </a:stretch>
+                  </p:blipFill>
+                  <p:spPr>
+                    <a:xfrm>
+                      <a:off x="972003" y="1279509"/>
+                      <a:ext cx="1008112" cy="1008112"/>
+                    </a:xfrm>
+                    <a:prstGeom prst="rect">
+                      <a:avLst/>
+                    </a:prstGeom>
+                  </p:spPr>
+                </p:pic>
+                <p:pic>
+                  <p:nvPicPr>
+                    <p:cNvPr id="27" name="Picture 4" descr="Is Xianyu Quietly Giving up Flutter? - Alibaba Cloud Community">
+                      <a:extLst>
+                        <a:ext uri="{FF2B5EF4-FFF2-40B4-BE49-F238E27FC236}">
+                          <a16:creationId xmlns:a16="http://schemas.microsoft.com/office/drawing/2014/main" id="{65F0D40F-AD10-651D-1AAD-6D0275A15942}"/>
+                        </a:ext>
+                      </a:extLst>
+                    </p:cNvPr>
+                    <p:cNvPicPr>
+                      <a:picLocks noChangeAspect="1" noChangeArrowheads="1"/>
+                    </p:cNvPicPr>
+                    <p:nvPr/>
+                  </p:nvPicPr>
+                  <p:blipFill>
+                    <a:blip r:embed="rId7" cstate="print">
+                      <a:extLst>
+                        <a:ext uri="{28A0092B-C50C-407E-A947-70E740481C1C}">
+                          <a14:useLocalDpi xmlns:a14="http://schemas.microsoft.com/office/drawing/2010/main" val="0"/>
+                        </a:ext>
+                      </a:extLst>
+                    </a:blip>
+                    <a:srcRect/>
+                    <a:stretch>
+                      <a:fillRect/>
+                    </a:stretch>
+                  </p:blipFill>
+                  <p:spPr bwMode="auto">
+                    <a:xfrm>
+                      <a:off x="1260438" y="1681707"/>
+                      <a:ext cx="431242" cy="203716"/>
+                    </a:xfrm>
+                    <a:prstGeom prst="rect">
+                      <a:avLst/>
+                    </a:prstGeom>
+                    <a:noFill/>
+                    <a:extLst>
+                      <a:ext uri="{909E8E84-426E-40DD-AFC4-6F175D3DCCD1}">
+                        <a14:hiddenFill xmlns:a14="http://schemas.microsoft.com/office/drawing/2010/main">
+                          <a:solidFill>
+                            <a:srgbClr val="FFFFFF"/>
+                          </a:solidFill>
+                        </a14:hiddenFill>
+                      </a:ext>
+                    </a:extLst>
+                  </p:spPr>
+                </p:pic>
+              </p:grpSp>
+              <p:sp>
+                <p:nvSpPr>
+                  <p:cNvPr id="56" name="TextBox 55">
+                    <a:extLst>
+                      <a:ext uri="{FF2B5EF4-FFF2-40B4-BE49-F238E27FC236}">
+                        <a16:creationId xmlns:a16="http://schemas.microsoft.com/office/drawing/2014/main" id="{71525A07-888E-ED35-B1FE-BC94CDE36285}"/>
+                      </a:ext>
+                    </a:extLst>
+                  </p:cNvPr>
+                  <p:cNvSpPr txBox="1"/>
+                  <p:nvPr/>
+                </p:nvSpPr>
+                <p:spPr>
+                  <a:xfrm>
+                    <a:off x="1418269" y="1756142"/>
+                    <a:ext cx="905390" cy="215444"/>
+                  </a:xfrm>
+                  <a:prstGeom prst="rect">
+                    <a:avLst/>
+                  </a:prstGeom>
+                  <a:noFill/>
+                </p:spPr>
+                <p:txBody>
+                  <a:bodyPr wrap="square">
+                    <a:spAutoFit/>
+                  </a:bodyPr>
+                  <a:lstStyle/>
+                  <a:p>
+                    <a:pPr algn="ctr"/>
+                    <a:r>
+                      <a:rPr lang="en-US" sz="800" dirty="0">
+                        <a:latin typeface="Nunito Black" pitchFamily="2" charset="0"/>
+                      </a:rPr>
+                      <a:t>Requester</a:t>
+                    </a:r>
+                    <a:endParaRPr lang="en-IL" sz="800" dirty="0"/>
+                  </a:p>
+                </p:txBody>
+              </p:sp>
+            </p:grpSp>
+            <p:grpSp>
+              <p:nvGrpSpPr>
+                <p:cNvPr id="59" name="Group 58">
+                  <a:extLst>
+                    <a:ext uri="{FF2B5EF4-FFF2-40B4-BE49-F238E27FC236}">
+                      <a16:creationId xmlns:a16="http://schemas.microsoft.com/office/drawing/2014/main" id="{BA2D9EF3-78CB-8A6C-B64B-D7CA05CC3FAA}"/>
+                    </a:ext>
+                  </a:extLst>
+                </p:cNvPr>
+                <p:cNvGrpSpPr/>
+                <p:nvPr/>
+              </p:nvGrpSpPr>
+              <p:grpSpPr>
+                <a:xfrm>
+                  <a:off x="1329183" y="2571750"/>
+                  <a:ext cx="1008112" cy="1223556"/>
+                  <a:chOff x="1329555" y="2414048"/>
+                  <a:chExt cx="1008112" cy="1223556"/>
+                </a:xfrm>
+              </p:grpSpPr>
+              <p:grpSp>
+                <p:nvGrpSpPr>
+                  <p:cNvPr id="32" name="Group 31">
+                    <a:extLst>
+                      <a:ext uri="{FF2B5EF4-FFF2-40B4-BE49-F238E27FC236}">
+                        <a16:creationId xmlns:a16="http://schemas.microsoft.com/office/drawing/2014/main" id="{53B21CC2-E027-996E-A199-95DA1EB90633}"/>
+                      </a:ext>
+                    </a:extLst>
+                  </p:cNvPr>
+                  <p:cNvGrpSpPr/>
+                  <p:nvPr/>
+                </p:nvGrpSpPr>
+                <p:grpSpPr>
+                  <a:xfrm>
+                    <a:off x="1329555" y="2414048"/>
+                    <a:ext cx="1008112" cy="1008112"/>
+                    <a:chOff x="972003" y="1279509"/>
+                    <a:chExt cx="1008112" cy="1008112"/>
+                  </a:xfrm>
+                </p:grpSpPr>
+                <p:pic>
+                  <p:nvPicPr>
+                    <p:cNvPr id="33" name="Picture 32">
+                      <a:extLst>
+                        <a:ext uri="{FF2B5EF4-FFF2-40B4-BE49-F238E27FC236}">
+                          <a16:creationId xmlns:a16="http://schemas.microsoft.com/office/drawing/2014/main" id="{80D1180A-48FB-8B9D-2283-E9FF5BFFDA36}"/>
+                        </a:ext>
+                      </a:extLst>
+                    </p:cNvPr>
+                    <p:cNvPicPr>
+                      <a:picLocks noChangeAspect="1"/>
+                    </p:cNvPicPr>
+                    <p:nvPr/>
+                  </p:nvPicPr>
+                  <p:blipFill>
+                    <a:blip r:embed="rId6"/>
+                    <a:stretch>
+                      <a:fillRect/>
+                    </a:stretch>
+                  </p:blipFill>
+                  <p:spPr>
+                    <a:xfrm>
+                      <a:off x="972003" y="1279509"/>
+                      <a:ext cx="1008112" cy="1008112"/>
+                    </a:xfrm>
+                    <a:prstGeom prst="rect">
+                      <a:avLst/>
+                    </a:prstGeom>
+                  </p:spPr>
+                </p:pic>
+                <p:pic>
+                  <p:nvPicPr>
+                    <p:cNvPr id="34" name="Picture 4" descr="Is Xianyu Quietly Giving up Flutter? - Alibaba Cloud Community">
+                      <a:extLst>
+                        <a:ext uri="{FF2B5EF4-FFF2-40B4-BE49-F238E27FC236}">
+                          <a16:creationId xmlns:a16="http://schemas.microsoft.com/office/drawing/2014/main" id="{E876BAF4-63DB-E719-0C06-3E494F76B825}"/>
+                        </a:ext>
+                      </a:extLst>
+                    </p:cNvPr>
+                    <p:cNvPicPr>
+                      <a:picLocks noChangeAspect="1" noChangeArrowheads="1"/>
+                    </p:cNvPicPr>
+                    <p:nvPr/>
+                  </p:nvPicPr>
+                  <p:blipFill>
+                    <a:blip r:embed="rId7" cstate="print">
+                      <a:extLst>
+                        <a:ext uri="{28A0092B-C50C-407E-A947-70E740481C1C}">
+                          <a14:useLocalDpi xmlns:a14="http://schemas.microsoft.com/office/drawing/2010/main" val="0"/>
+                        </a:ext>
+                      </a:extLst>
+                    </a:blip>
+                    <a:srcRect/>
+                    <a:stretch>
+                      <a:fillRect/>
+                    </a:stretch>
+                  </p:blipFill>
+                  <p:spPr bwMode="auto">
+                    <a:xfrm>
+                      <a:off x="1260438" y="1681707"/>
+                      <a:ext cx="431242" cy="203716"/>
+                    </a:xfrm>
+                    <a:prstGeom prst="rect">
+                      <a:avLst/>
+                    </a:prstGeom>
+                    <a:noFill/>
+                    <a:extLst>
+                      <a:ext uri="{909E8E84-426E-40DD-AFC4-6F175D3DCCD1}">
+                        <a14:hiddenFill xmlns:a14="http://schemas.microsoft.com/office/drawing/2010/main">
+                          <a:solidFill>
+                            <a:srgbClr val="FFFFFF"/>
+                          </a:solidFill>
+                        </a14:hiddenFill>
+                      </a:ext>
+                    </a:extLst>
+                  </p:spPr>
+                </p:pic>
+              </p:grpSp>
+              <p:sp>
+                <p:nvSpPr>
+                  <p:cNvPr id="58" name="TextBox 57">
+                    <a:extLst>
+                      <a:ext uri="{FF2B5EF4-FFF2-40B4-BE49-F238E27FC236}">
+                        <a16:creationId xmlns:a16="http://schemas.microsoft.com/office/drawing/2014/main" id="{644100E5-DD51-D19E-E7B5-8265E06545F8}"/>
+                      </a:ext>
+                    </a:extLst>
+                  </p:cNvPr>
+                  <p:cNvSpPr txBox="1"/>
+                  <p:nvPr/>
+                </p:nvSpPr>
+                <p:spPr>
+                  <a:xfrm>
+                    <a:off x="1404716" y="3422160"/>
+                    <a:ext cx="905390" cy="215444"/>
+                  </a:xfrm>
+                  <a:prstGeom prst="rect">
+                    <a:avLst/>
+                  </a:prstGeom>
+                  <a:noFill/>
+                </p:spPr>
+                <p:txBody>
+                  <a:bodyPr wrap="square">
+                    <a:spAutoFit/>
+                  </a:bodyPr>
+                  <a:lstStyle/>
+                  <a:p>
+                    <a:pPr algn="ctr"/>
+                    <a:r>
+                      <a:rPr lang="en-US" sz="800" dirty="0">
+                        <a:latin typeface="Nunito Black" pitchFamily="2" charset="0"/>
+                      </a:rPr>
+                      <a:t>Supplier</a:t>
+                    </a:r>
+                    <a:endParaRPr lang="en-IL" sz="800" dirty="0"/>
+                  </a:p>
+                </p:txBody>
+              </p:sp>
+            </p:grpSp>
+            <p:cxnSp>
+              <p:nvCxnSpPr>
+                <p:cNvPr id="60" name="Straight Arrow Connector 59">
+                  <a:extLst>
+                    <a:ext uri="{FF2B5EF4-FFF2-40B4-BE49-F238E27FC236}">
+                      <a16:creationId xmlns:a16="http://schemas.microsoft.com/office/drawing/2014/main" id="{794A7994-1729-44C5-6FEE-9411C9D722E7}"/>
+                    </a:ext>
+                  </a:extLst>
+                </p:cNvPr>
+                <p:cNvCxnSpPr>
+                  <a:cxnSpLocks/>
+                </p:cNvCxnSpPr>
+                <p:nvPr/>
+              </p:nvCxnSpPr>
+              <p:spPr>
+                <a:xfrm flipV="1">
+                  <a:off x="1758592" y="1954674"/>
+                  <a:ext cx="0" cy="533916"/>
+                </a:xfrm>
+                <a:prstGeom prst="straightConnector1">
+                  <a:avLst/>
+                </a:prstGeom>
+                <a:ln>
+                  <a:tailEnd type="triangle"/>
+                </a:ln>
+              </p:spPr>
+              <p:style>
+                <a:lnRef idx="1">
+                  <a:schemeClr val="accent1"/>
+                </a:lnRef>
+                <a:fillRef idx="0">
+                  <a:schemeClr val="accent1"/>
+                </a:fillRef>
+                <a:effectRef idx="0">
+                  <a:schemeClr val="accent1"/>
+                </a:effectRef>
+                <a:fontRef idx="minor">
+                  <a:schemeClr val="tx1"/>
+                </a:fontRef>
+              </p:style>
+            </p:cxnSp>
+            <p:cxnSp>
+              <p:nvCxnSpPr>
+                <p:cNvPr id="1024" name="Straight Arrow Connector 1023">
+                  <a:extLst>
+                    <a:ext uri="{FF2B5EF4-FFF2-40B4-BE49-F238E27FC236}">
+                      <a16:creationId xmlns:a16="http://schemas.microsoft.com/office/drawing/2014/main" id="{365AAFBB-FFA6-EB32-1B16-3335A0556FDB}"/>
+                    </a:ext>
+                  </a:extLst>
+                </p:cNvPr>
+                <p:cNvCxnSpPr>
+                  <a:cxnSpLocks/>
+                </p:cNvCxnSpPr>
+                <p:nvPr/>
+              </p:nvCxnSpPr>
+              <p:spPr>
+                <a:xfrm>
+                  <a:off x="1890496" y="1989698"/>
+                  <a:ext cx="0" cy="521258"/>
+                </a:xfrm>
+                <a:prstGeom prst="straightConnector1">
+                  <a:avLst/>
+                </a:prstGeom>
+                <a:ln>
+                  <a:tailEnd type="triangle"/>
+                </a:ln>
+              </p:spPr>
+              <p:style>
+                <a:lnRef idx="1">
+                  <a:schemeClr val="accent1"/>
+                </a:lnRef>
+                <a:fillRef idx="0">
+                  <a:schemeClr val="accent1"/>
+                </a:fillRef>
+                <a:effectRef idx="0">
+                  <a:schemeClr val="accent1"/>
+                </a:effectRef>
+                <a:fontRef idx="minor">
+                  <a:schemeClr val="tx1"/>
+                </a:fontRef>
+              </p:style>
+            </p:cxnSp>
+            <p:sp>
+              <p:nvSpPr>
+                <p:cNvPr id="1029" name="TextBox 1028">
+                  <a:extLst>
+                    <a:ext uri="{FF2B5EF4-FFF2-40B4-BE49-F238E27FC236}">
+                      <a16:creationId xmlns:a16="http://schemas.microsoft.com/office/drawing/2014/main" id="{41F5D269-5115-B08C-9FA0-4DB27D2BBE22}"/>
+                    </a:ext>
+                  </a:extLst>
+                </p:cNvPr>
+                <p:cNvSpPr txBox="1"/>
+                <p:nvPr/>
+              </p:nvSpPr>
+              <p:spPr>
+                <a:xfrm>
+                  <a:off x="1323469" y="2157774"/>
+                  <a:ext cx="521732" cy="215444"/>
+                </a:xfrm>
+                <a:prstGeom prst="rect">
+                  <a:avLst/>
+                </a:prstGeom>
+                <a:noFill/>
+              </p:spPr>
+              <p:txBody>
+                <a:bodyPr wrap="square">
+                  <a:spAutoFit/>
+                </a:bodyPr>
+                <a:lstStyle/>
+                <a:p>
+                  <a:pPr algn="ctr"/>
+                  <a:r>
+                    <a:rPr lang="en-US" sz="800" dirty="0">
+                      <a:latin typeface="Nunito Black" pitchFamily="2" charset="0"/>
+                    </a:rPr>
+                    <a:t>Chat</a:t>
+                  </a:r>
+                  <a:endParaRPr lang="en-IL" sz="800" dirty="0"/>
+                </a:p>
+              </p:txBody>
+            </p:sp>
+            <p:cxnSp>
+              <p:nvCxnSpPr>
+                <p:cNvPr id="36" name="Straight Arrow Connector 35">
+                  <a:extLst>
+                    <a:ext uri="{FF2B5EF4-FFF2-40B4-BE49-F238E27FC236}">
+                      <a16:creationId xmlns:a16="http://schemas.microsoft.com/office/drawing/2014/main" id="{8732EB2E-BBBD-3EF8-4FA8-6168570EAB55}"/>
+                    </a:ext>
+                  </a:extLst>
+                </p:cNvPr>
+                <p:cNvCxnSpPr>
+                  <a:cxnSpLocks/>
+                  <a:stCxn id="4" idx="3"/>
+                </p:cNvCxnSpPr>
+                <p:nvPr/>
+              </p:nvCxnSpPr>
+              <p:spPr>
+                <a:xfrm>
+                  <a:off x="2339752" y="1252652"/>
+                  <a:ext cx="1512168" cy="527800"/>
+                </a:xfrm>
+                <a:prstGeom prst="straightConnector1">
+                  <a:avLst/>
+                </a:prstGeom>
+                <a:ln>
+                  <a:tailEnd type="triangle"/>
+                </a:ln>
+              </p:spPr>
+              <p:style>
+                <a:lnRef idx="1">
+                  <a:schemeClr val="accent1"/>
+                </a:lnRef>
+                <a:fillRef idx="0">
+                  <a:schemeClr val="accent1"/>
+                </a:fillRef>
+                <a:effectRef idx="0">
+                  <a:schemeClr val="accent1"/>
+                </a:effectRef>
+                <a:fontRef idx="minor">
+                  <a:schemeClr val="tx1"/>
+                </a:fontRef>
+              </p:style>
+            </p:cxnSp>
+          </p:grpSp>
+          <p:pic>
+            <p:nvPicPr>
+              <p:cNvPr id="1033" name="Picture 8" descr="100,000 Users on Firebase Firestore | by Anthony Dito | Medium">
+                <a:extLst>
+                  <a:ext uri="{FF2B5EF4-FFF2-40B4-BE49-F238E27FC236}">
+                    <a16:creationId xmlns:a16="http://schemas.microsoft.com/office/drawing/2014/main" id="{BCD3F4D8-FC67-3A90-1D09-71F8B216DC55}"/>
+                  </a:ext>
+                </a:extLst>
+              </p:cNvPr>
+              <p:cNvPicPr>
+                <a:picLocks noChangeAspect="1" noChangeArrowheads="1"/>
+              </p:cNvPicPr>
+              <p:nvPr/>
+            </p:nvPicPr>
+            <p:blipFill>
+              <a:blip r:embed="rId8" cstate="print">
+                <a:extLst>
+                  <a:ext uri="{28A0092B-C50C-407E-A947-70E740481C1C}">
+                    <a14:useLocalDpi xmlns:a14="http://schemas.microsoft.com/office/drawing/2010/main" val="0"/>
+                  </a:ext>
+                </a:extLst>
+              </a:blip>
+              <a:srcRect/>
+              <a:stretch>
+                <a:fillRect/>
+              </a:stretch>
+            </p:blipFill>
+            <p:spPr bwMode="auto">
+              <a:xfrm>
+                <a:off x="4719163" y="2842043"/>
+                <a:ext cx="1241228" cy="1230594"/>
+              </a:xfrm>
+              <a:prstGeom prst="rect">
+                <a:avLst/>
+              </a:prstGeom>
+              <a:noFill/>
+              <a:extLst>
+                <a:ext uri="{909E8E84-426E-40DD-AFC4-6F175D3DCCD1}">
+                  <a14:hiddenFill xmlns:a14="http://schemas.microsoft.com/office/drawing/2010/main">
+                    <a:solidFill>
+                      <a:srgbClr val="FFFFFF"/>
+                    </a:solidFill>
+                  </a14:hiddenFill>
+                </a:ext>
+              </a:extLst>
+            </p:spPr>
+          </p:pic>
+          <p:cxnSp>
+            <p:nvCxnSpPr>
+              <p:cNvPr id="1035" name="Straight Arrow Connector 1034">
+                <a:extLst>
+                  <a:ext uri="{FF2B5EF4-FFF2-40B4-BE49-F238E27FC236}">
+                    <a16:creationId xmlns:a16="http://schemas.microsoft.com/office/drawing/2014/main" id="{6EE2619F-D6CA-C342-D4F7-644B56D396C7}"/>
+                  </a:ext>
+                </a:extLst>
+              </p:cNvPr>
+              <p:cNvCxnSpPr>
+                <a:cxnSpLocks/>
+                <a:endCxn id="10" idx="2"/>
+              </p:cNvCxnSpPr>
+              <p:nvPr/>
+            </p:nvCxnSpPr>
+            <p:spPr>
+              <a:xfrm flipH="1" flipV="1">
+                <a:off x="4578330" y="2943592"/>
+                <a:ext cx="557043" cy="411325"/>
+              </a:xfrm>
+              <a:prstGeom prst="straightConnector1">
+                <a:avLst/>
+              </a:prstGeom>
+              <a:ln>
+                <a:tailEnd type="triangle"/>
+              </a:ln>
+            </p:spPr>
+            <p:style>
+              <a:lnRef idx="1">
+                <a:schemeClr val="accent1"/>
+              </a:lnRef>
+              <a:fillRef idx="0">
+                <a:schemeClr val="accent1"/>
+              </a:fillRef>
+              <a:effectRef idx="0">
+                <a:schemeClr val="accent1"/>
+              </a:effectRef>
+              <a:fontRef idx="minor">
+                <a:schemeClr val="tx1"/>
+              </a:fontRef>
+            </p:style>
+          </p:cxnSp>
+          <p:cxnSp>
+            <p:nvCxnSpPr>
+              <p:cNvPr id="1038" name="Straight Arrow Connector 1037">
+                <a:extLst>
+                  <a:ext uri="{FF2B5EF4-FFF2-40B4-BE49-F238E27FC236}">
+                    <a16:creationId xmlns:a16="http://schemas.microsoft.com/office/drawing/2014/main" id="{DF481535-11A1-6C29-9628-CE23AAD7CF12}"/>
+                  </a:ext>
+                </a:extLst>
+              </p:cNvPr>
+              <p:cNvCxnSpPr>
+                <a:cxnSpLocks/>
+              </p:cNvCxnSpPr>
+              <p:nvPr/>
+            </p:nvCxnSpPr>
+            <p:spPr>
+              <a:xfrm>
+                <a:off x="4746724" y="2924894"/>
+                <a:ext cx="458816" cy="339440"/>
+              </a:xfrm>
+              <a:prstGeom prst="straightConnector1">
+                <a:avLst/>
+              </a:prstGeom>
+              <a:ln>
+                <a:tailEnd type="triangle"/>
+              </a:ln>
+            </p:spPr>
+            <p:style>
+              <a:lnRef idx="1">
+                <a:schemeClr val="accent1"/>
+              </a:lnRef>
+              <a:fillRef idx="0">
+                <a:schemeClr val="accent1"/>
+              </a:fillRef>
+              <a:effectRef idx="0">
+                <a:schemeClr val="accent1"/>
+              </a:effectRef>
+              <a:fontRef idx="minor">
+                <a:schemeClr val="tx1"/>
+              </a:fontRef>
+            </p:style>
+          </p:cxnSp>
+        </p:grpSp>
+        <p:cxnSp>
+          <p:nvCxnSpPr>
+            <p:cNvPr id="5" name="Straight Arrow Connector 4">
+              <a:extLst>
+                <a:ext uri="{FF2B5EF4-FFF2-40B4-BE49-F238E27FC236}">
+                  <a16:creationId xmlns:a16="http://schemas.microsoft.com/office/drawing/2014/main" id="{C1543345-47A4-6ADC-6970-099AB6C7515C}"/>
+                </a:ext>
+              </a:extLst>
+            </p:cNvPr>
+            <p:cNvCxnSpPr>
+              <a:cxnSpLocks/>
+            </p:cNvCxnSpPr>
+            <p:nvPr/>
+          </p:nvCxnSpPr>
+          <p:spPr>
+            <a:xfrm flipV="1">
+              <a:off x="2713831" y="2784839"/>
+              <a:ext cx="1513238" cy="591684"/>
+            </a:xfrm>
+            <a:prstGeom prst="straightConnector1">
+              <a:avLst/>
+            </a:prstGeom>
+            <a:ln>
+              <a:tailEnd type="triangle"/>
+            </a:ln>
+          </p:spPr>
+          <p:style>
+            <a:lnRef idx="1">
+              <a:schemeClr val="accent1"/>
+            </a:lnRef>
+            <a:fillRef idx="0">
+              <a:schemeClr val="accent1"/>
+            </a:fillRef>
+            <a:effectRef idx="0">
+              <a:schemeClr val="accent1"/>
+            </a:effectRef>
+            <a:fontRef idx="minor">
+              <a:schemeClr val="tx1"/>
+            </a:fontRef>
+          </p:style>
+        </p:cxnSp>
+        <p:sp>
+          <p:nvSpPr>
+            <p:cNvPr id="12" name="TextBox 11">
+              <a:extLst>
+                <a:ext uri="{FF2B5EF4-FFF2-40B4-BE49-F238E27FC236}">
+                  <a16:creationId xmlns:a16="http://schemas.microsoft.com/office/drawing/2014/main" id="{274C6487-BB81-4321-EEB7-7886D7BE1011}"/>
+                </a:ext>
+              </a:extLst>
+            </p:cNvPr>
+            <p:cNvSpPr txBox="1"/>
+            <p:nvPr/>
+          </p:nvSpPr>
+          <p:spPr>
+            <a:xfrm rot="20285844">
+              <a:off x="2794323" y="2774463"/>
+              <a:ext cx="1283907" cy="338554"/>
+            </a:xfrm>
+            <a:prstGeom prst="rect">
+              <a:avLst/>
+            </a:prstGeom>
+            <a:noFill/>
+          </p:spPr>
+          <p:txBody>
+            <a:bodyPr wrap="square">
+              <a:spAutoFit/>
+            </a:bodyPr>
+            <a:lstStyle/>
+            <a:p>
+              <a:pPr algn="ctr"/>
+              <a:r>
+                <a:rPr lang="en-US" sz="800" dirty="0">
+                  <a:latin typeface="Nunito Black" pitchFamily="2" charset="0"/>
+                </a:rPr>
+                <a:t>Ask for recommended services</a:t>
+              </a:r>
+              <a:endParaRPr lang="en-IL" sz="800" dirty="0"/>
+            </a:p>
+          </p:txBody>
+        </p:sp>
+      </p:grpSp>
     </p:spTree>
     <p:extLst>
       <p:ext uri="{BB962C8B-B14F-4D97-AF65-F5344CB8AC3E}">
